--- a/Trees.pptx
+++ b/Trees.pptx
@@ -231,7 +231,7 @@
           <a:p>
             <a:fld id="{671D6B48-901E-024F-BDCC-FD6CA02A6D67}" type="datetimeFigureOut">
               <a:rPr lang="en-US" smtClean="0"/>
-              <a:t>1/20/2022</a:t>
+              <a:t>1/21/2022</a:t>
             </a:fld>
             <a:endParaRPr lang="en-US"/>
           </a:p>
@@ -408,7 +408,7 @@
           <a:p>
             <a:fld id="{90984F30-55A9-984F-9B2C-770C25DC616A}" type="datetimeFigureOut">
               <a:rPr lang="en-US" smtClean="0"/>
-              <a:t>1/20/2022</a:t>
+              <a:t>1/21/2022</a:t>
             </a:fld>
             <a:endParaRPr lang="en-US"/>
           </a:p>
@@ -1019,13 +1019,7 @@
           <a:p>
             <a:r>
               <a:rPr lang="en-US" dirty="0"/>
-              <a:t>When you see articles saying RF works well for high-dimensional problem, they mean the input features – some people take the high-dimensional input and take PCA approximation to reduce the dimension (but this removes interpretability!)</a:t>
-            </a:r>
-          </a:p>
-          <a:p>
-            <a:r>
-              <a:rPr lang="en-US" dirty="0"/>
-              <a:t>For unconventional problems, the input feature is already small anyway, </a:t>
+              <a:t>https://stackoverflow.com/questions/39540123/muti-output-regression-in-xgboost</a:t>
             </a:r>
           </a:p>
         </p:txBody>
@@ -2279,7 +2273,7 @@
           <a:p>
             <a:fld id="{DACC4411-3C12-1242-A1EF-05D816833A20}" type="datetime1">
               <a:rPr lang="en-CA" smtClean="0"/>
-              <a:t>2022-01-20</a:t>
+              <a:t>2022-01-21</a:t>
             </a:fld>
             <a:endParaRPr lang="en-US"/>
           </a:p>
@@ -2487,7 +2481,7 @@
           <a:p>
             <a:fld id="{478264D7-17BA-3A43-B22E-A8F295269971}" type="datetime1">
               <a:rPr lang="en-CA" smtClean="0"/>
-              <a:t>2022-01-20</a:t>
+              <a:t>2022-01-21</a:t>
             </a:fld>
             <a:endParaRPr lang="en-US"/>
           </a:p>
@@ -2695,7 +2689,7 @@
           <a:p>
             <a:fld id="{D8C3A585-FD75-E244-8B2C-6DED86098F35}" type="datetime1">
               <a:rPr lang="en-CA" smtClean="0"/>
-              <a:t>2022-01-20</a:t>
+              <a:t>2022-01-21</a:t>
             </a:fld>
             <a:endParaRPr lang="en-US"/>
           </a:p>
@@ -3143,7 +3137,7 @@
           <a:p>
             <a:fld id="{DE3CFEA5-9DDD-074F-AF2A-064021B7C86B}" type="datetime1">
               <a:rPr lang="en-CA" smtClean="0"/>
-              <a:t>2022-01-20</a:t>
+              <a:t>2022-01-21</a:t>
             </a:fld>
             <a:endParaRPr lang="en-US"/>
           </a:p>
@@ -3478,7 +3472,7 @@
           <a:p>
             <a:fld id="{1ACCF1EB-120C-6347-86E3-74995B451FA3}" type="datetime1">
               <a:rPr lang="en-CA" smtClean="0"/>
-              <a:t>2022-01-20</a:t>
+              <a:t>2022-01-21</a:t>
             </a:fld>
             <a:endParaRPr lang="en-US"/>
           </a:p>
@@ -3745,7 +3739,7 @@
           <a:p>
             <a:fld id="{32EFDAAA-69DF-5146-93F2-8D17FA929C3F}" type="datetime1">
               <a:rPr lang="en-CA" smtClean="0"/>
-              <a:t>2022-01-20</a:t>
+              <a:t>2022-01-21</a:t>
             </a:fld>
             <a:endParaRPr lang="en-US"/>
           </a:p>
@@ -4148,7 +4142,7 @@
           <a:p>
             <a:fld id="{9D695DAC-654A-5F42-B9EA-F1C7C4FD30B7}" type="datetime1">
               <a:rPr lang="en-CA" smtClean="0"/>
-              <a:t>2022-01-20</a:t>
+              <a:t>2022-01-21</a:t>
             </a:fld>
             <a:endParaRPr lang="en-US"/>
           </a:p>
@@ -4297,7 +4291,7 @@
           <a:p>
             <a:fld id="{952B017E-B38D-3446-9048-0829D1733C7F}" type="datetime1">
               <a:rPr lang="en-CA" smtClean="0"/>
-              <a:t>2022-01-20</a:t>
+              <a:t>2022-01-21</a:t>
             </a:fld>
             <a:endParaRPr lang="en-US"/>
           </a:p>
@@ -4416,7 +4410,7 @@
           <a:p>
             <a:fld id="{E68F341D-8D84-C143-8305-B54DB4B481F3}" type="datetime1">
               <a:rPr lang="en-CA" smtClean="0"/>
-              <a:t>2022-01-20</a:t>
+              <a:t>2022-01-21</a:t>
             </a:fld>
             <a:endParaRPr lang="en-US"/>
           </a:p>
@@ -4724,7 +4718,7 @@
           <a:p>
             <a:fld id="{A8BD9EC8-0729-0C46-A9F8-ECFCA3669EA5}" type="datetime1">
               <a:rPr lang="en-CA" smtClean="0"/>
-              <a:t>2022-01-20</a:t>
+              <a:t>2022-01-21</a:t>
             </a:fld>
             <a:endParaRPr lang="en-US"/>
           </a:p>
@@ -5009,7 +5003,7 @@
           <a:p>
             <a:fld id="{0550B317-C293-F140-A197-390CD2B27873}" type="datetime1">
               <a:rPr lang="en-CA" smtClean="0"/>
-              <a:t>2022-01-20</a:t>
+              <a:t>2022-01-21</a:t>
             </a:fld>
             <a:endParaRPr lang="en-US"/>
           </a:p>

--- a/Trees.pptx
+++ b/Trees.pptx
@@ -5,10 +5,10 @@
     <p:sldMasterId id="2147483648" r:id="rId1"/>
   </p:sldMasterIdLst>
   <p:notesMasterIdLst>
-    <p:notesMasterId r:id="rId19"/>
+    <p:notesMasterId r:id="rId26"/>
   </p:notesMasterIdLst>
   <p:handoutMasterIdLst>
-    <p:handoutMasterId r:id="rId20"/>
+    <p:handoutMasterId r:id="rId27"/>
   </p:handoutMasterIdLst>
   <p:sldIdLst>
     <p:sldId id="1904" r:id="rId2"/>
@@ -26,8 +26,15 @@
     <p:sldId id="1927" r:id="rId14"/>
     <p:sldId id="1928" r:id="rId15"/>
     <p:sldId id="1931" r:id="rId16"/>
-    <p:sldId id="1930" r:id="rId17"/>
-    <p:sldId id="1917" r:id="rId18"/>
+    <p:sldId id="1934" r:id="rId17"/>
+    <p:sldId id="1935" r:id="rId18"/>
+    <p:sldId id="1936" r:id="rId19"/>
+    <p:sldId id="1938" r:id="rId20"/>
+    <p:sldId id="1932" r:id="rId21"/>
+    <p:sldId id="1937" r:id="rId22"/>
+    <p:sldId id="1939" r:id="rId23"/>
+    <p:sldId id="1933" r:id="rId24"/>
+    <p:sldId id="1917" r:id="rId25"/>
   </p:sldIdLst>
   <p:sldSz cx="12192000" cy="6858000"/>
   <p:notesSz cx="6858000" cy="9144000"/>
@@ -231,7 +238,7 @@
           <a:p>
             <a:fld id="{671D6B48-901E-024F-BDCC-FD6CA02A6D67}" type="datetimeFigureOut">
               <a:rPr lang="en-US" smtClean="0"/>
-              <a:t>1/21/2022</a:t>
+              <a:t>1/22/2022</a:t>
             </a:fld>
             <a:endParaRPr lang="en-US"/>
           </a:p>
@@ -408,7 +415,7 @@
           <a:p>
             <a:fld id="{90984F30-55A9-984F-9B2C-770C25DC616A}" type="datetimeFigureOut">
               <a:rPr lang="en-US" smtClean="0"/>
-              <a:t>1/21/2022</a:t>
+              <a:t>1/22/2022</a:t>
             </a:fld>
             <a:endParaRPr lang="en-US"/>
           </a:p>
@@ -954,7 +961,7 @@
           <a:p>
             <a:fld id="{6A407F20-2D1C-2E46-8BA6-4F54F8A5F561}" type="slidenum">
               <a:rPr lang="en-US" smtClean="0"/>
-              <a:t>15</a:t>
+              <a:t>13</a:t>
             </a:fld>
             <a:endParaRPr lang="en-US"/>
           </a:p>
@@ -963,7 +970,7 @@
     </p:spTree>
     <p:extLst>
       <p:ext uri="{BB962C8B-B14F-4D97-AF65-F5344CB8AC3E}">
-        <p14:creationId xmlns:p14="http://schemas.microsoft.com/office/powerpoint/2010/main" val="4129270565"/>
+        <p14:creationId xmlns:p14="http://schemas.microsoft.com/office/powerpoint/2010/main" val="2773855827"/>
       </p:ext>
     </p:extLst>
   </p:cSld>
@@ -1019,7 +1026,46 @@
           <a:p>
             <a:r>
               <a:rPr lang="en-US" dirty="0"/>
-              <a:t>https://stackoverflow.com/questions/39540123/muti-output-regression-in-xgboost</a:t>
+              <a:t>When you see articles saying RF works well for high-dimensional problem, they mean the input features – some people take the high-dimensional input and take PCA approximation to reduce the dimension (but this removes interpretability!)</a:t>
+            </a:r>
+          </a:p>
+          <a:p>
+            <a:endParaRPr lang="en-US" dirty="0"/>
+          </a:p>
+          <a:p>
+            <a:r>
+              <a:rPr lang="en-US" dirty="0"/>
+              <a:t>For unconventional problems, the input feature is already small anyway, </a:t>
+            </a:r>
+          </a:p>
+          <a:p>
+            <a:endParaRPr lang="en-US" dirty="0"/>
+          </a:p>
+          <a:p>
+            <a:r>
+              <a:rPr lang="en-US" dirty="0"/>
+              <a:t>From https://proceedings.neurips.cc/paper/2018/file/39027dfad5138c9ca0c474d71db915c3-Paper.pdf, Feng et al (2018)</a:t>
+            </a:r>
+          </a:p>
+          <a:p>
+            <a:r>
+              <a:rPr lang="en-US" dirty="0"/>
+              <a:t>While non-differentiable models such as gradient boosting decision trees (GBDTs) are still the dominant methods for modeling discrete or tabular data, they are hard to incorporate with such representation learning ability.</a:t>
+            </a:r>
+          </a:p>
+          <a:p>
+            <a:endParaRPr lang="en-US" dirty="0"/>
+          </a:p>
+          <a:p>
+            <a:r>
+              <a:rPr lang="en-US" dirty="0"/>
+              <a:t>Hybridization:</a:t>
+            </a:r>
+          </a:p>
+          <a:p>
+            <a:r>
+              <a:rPr lang="en-US" dirty="0"/>
+              <a:t>https://link.springer.com/content/pdf/10.1007/s40595-014-0024-7.pdf</a:t>
             </a:r>
           </a:p>
         </p:txBody>
@@ -1041,6 +1087,259 @@
           <a:p>
             <a:fld id="{6A407F20-2D1C-2E46-8BA6-4F54F8A5F561}" type="slidenum">
               <a:rPr lang="en-US" smtClean="0"/>
+              <a:t>14</a:t>
+            </a:fld>
+            <a:endParaRPr lang="en-US"/>
+          </a:p>
+        </p:txBody>
+      </p:sp>
+    </p:spTree>
+    <p:extLst>
+      <p:ext uri="{BB962C8B-B14F-4D97-AF65-F5344CB8AC3E}">
+        <p14:creationId xmlns:p14="http://schemas.microsoft.com/office/powerpoint/2010/main" val="3960622307"/>
+      </p:ext>
+    </p:extLst>
+  </p:cSld>
+  <p:clrMapOvr>
+    <a:masterClrMapping/>
+  </p:clrMapOvr>
+</p:notes>
+</file>
+
+<file path=ppt/notesSlides/notesSlide12.xml><?xml version="1.0" encoding="utf-8"?>
+<p:notes xmlns:a="http://schemas.openxmlformats.org/drawingml/2006/main" xmlns:r="http://schemas.openxmlformats.org/officeDocument/2006/relationships" xmlns:p="http://schemas.openxmlformats.org/presentationml/2006/main">
+  <p:cSld>
+    <p:spTree>
+      <p:nvGrpSpPr>
+        <p:cNvPr id="1" name=""/>
+        <p:cNvGrpSpPr/>
+        <p:nvPr/>
+      </p:nvGrpSpPr>
+      <p:grpSpPr>
+        <a:xfrm>
+          <a:off x="0" y="0"/>
+          <a:ext cx="0" cy="0"/>
+          <a:chOff x="0" y="0"/>
+          <a:chExt cx="0" cy="0"/>
+        </a:xfrm>
+      </p:grpSpPr>
+      <p:sp>
+        <p:nvSpPr>
+          <p:cNvPr id="2" name="Slide Image Placeholder 1"/>
+          <p:cNvSpPr>
+            <a:spLocks noGrp="1" noRot="1" noChangeAspect="1"/>
+          </p:cNvSpPr>
+          <p:nvPr>
+            <p:ph type="sldImg"/>
+          </p:nvPr>
+        </p:nvSpPr>
+        <p:spPr/>
+      </p:sp>
+      <p:sp>
+        <p:nvSpPr>
+          <p:cNvPr id="3" name="Notes Placeholder 2"/>
+          <p:cNvSpPr>
+            <a:spLocks noGrp="1"/>
+          </p:cNvSpPr>
+          <p:nvPr>
+            <p:ph type="body" idx="1"/>
+          </p:nvPr>
+        </p:nvSpPr>
+        <p:spPr/>
+        <p:txBody>
+          <a:bodyPr/>
+          <a:lstStyle/>
+          <a:p>
+            <a:endParaRPr lang="en-US" dirty="0"/>
+          </a:p>
+        </p:txBody>
+      </p:sp>
+      <p:sp>
+        <p:nvSpPr>
+          <p:cNvPr id="4" name="Slide Number Placeholder 3"/>
+          <p:cNvSpPr>
+            <a:spLocks noGrp="1"/>
+          </p:cNvSpPr>
+          <p:nvPr>
+            <p:ph type="sldNum" sz="quarter" idx="5"/>
+          </p:nvPr>
+        </p:nvSpPr>
+        <p:spPr/>
+        <p:txBody>
+          <a:bodyPr/>
+          <a:lstStyle/>
+          <a:p>
+            <a:fld id="{6A407F20-2D1C-2E46-8BA6-4F54F8A5F561}" type="slidenum">
+              <a:rPr lang="en-US" smtClean="0"/>
+              <a:t>15</a:t>
+            </a:fld>
+            <a:endParaRPr lang="en-US"/>
+          </a:p>
+        </p:txBody>
+      </p:sp>
+    </p:spTree>
+    <p:extLst>
+      <p:ext uri="{BB962C8B-B14F-4D97-AF65-F5344CB8AC3E}">
+        <p14:creationId xmlns:p14="http://schemas.microsoft.com/office/powerpoint/2010/main" val="4129270565"/>
+      </p:ext>
+    </p:extLst>
+  </p:cSld>
+  <p:clrMapOvr>
+    <a:masterClrMapping/>
+  </p:clrMapOvr>
+</p:notes>
+</file>
+
+<file path=ppt/notesSlides/notesSlide13.xml><?xml version="1.0" encoding="utf-8"?>
+<p:notes xmlns:a="http://schemas.openxmlformats.org/drawingml/2006/main" xmlns:r="http://schemas.openxmlformats.org/officeDocument/2006/relationships" xmlns:p="http://schemas.openxmlformats.org/presentationml/2006/main">
+  <p:cSld>
+    <p:spTree>
+      <p:nvGrpSpPr>
+        <p:cNvPr id="1" name=""/>
+        <p:cNvGrpSpPr/>
+        <p:nvPr/>
+      </p:nvGrpSpPr>
+      <p:grpSpPr>
+        <a:xfrm>
+          <a:off x="0" y="0"/>
+          <a:ext cx="0" cy="0"/>
+          <a:chOff x="0" y="0"/>
+          <a:chExt cx="0" cy="0"/>
+        </a:xfrm>
+      </p:grpSpPr>
+      <p:sp>
+        <p:nvSpPr>
+          <p:cNvPr id="2" name="Slide Image Placeholder 1"/>
+          <p:cNvSpPr>
+            <a:spLocks noGrp="1" noRot="1" noChangeAspect="1"/>
+          </p:cNvSpPr>
+          <p:nvPr>
+            <p:ph type="sldImg"/>
+          </p:nvPr>
+        </p:nvSpPr>
+        <p:spPr/>
+      </p:sp>
+      <p:sp>
+        <p:nvSpPr>
+          <p:cNvPr id="3" name="Notes Placeholder 2"/>
+          <p:cNvSpPr>
+            <a:spLocks noGrp="1"/>
+          </p:cNvSpPr>
+          <p:nvPr>
+            <p:ph type="body" idx="1"/>
+          </p:nvPr>
+        </p:nvSpPr>
+        <p:spPr/>
+        <p:txBody>
+          <a:bodyPr/>
+          <a:lstStyle/>
+          <a:p>
+            <a:pPr marL="457200" lvl="1" indent="0">
+              <a:buFont typeface="Arial" panose="020B0604020202020204" pitchFamily="34" charset="0"/>
+              <a:buNone/>
+            </a:pPr>
+            <a:r>
+              <a:rPr lang="en-US" sz="1200" dirty="0"/>
+              <a:t>High dimensional input (not output): </a:t>
+            </a:r>
+          </a:p>
+          <a:p>
+            <a:pPr marL="628650" lvl="1" indent="-171450">
+              <a:buFont typeface="Arial" panose="020B0604020202020204" pitchFamily="34" charset="0"/>
+              <a:buChar char="•"/>
+            </a:pPr>
+            <a:r>
+              <a:rPr lang="en-US" sz="1200" dirty="0"/>
+              <a:t>Caruana et al (2008) An empirical evaluation of supervised learning in high dimensions. In: Proceedings of the 25th International Conference on Machine Learning, pp. 96–103.</a:t>
+            </a:r>
+          </a:p>
+          <a:p>
+            <a:pPr marL="457200" lvl="1" indent="0">
+              <a:buFont typeface="Arial" panose="020B0604020202020204" pitchFamily="34" charset="0"/>
+              <a:buNone/>
+            </a:pPr>
+            <a:r>
+              <a:rPr lang="en-US" sz="1200" dirty="0"/>
+              <a:t>Combine trees and CNN</a:t>
+            </a:r>
+          </a:p>
+          <a:p>
+            <a:pPr marL="628650" marR="0" lvl="1" indent="-171450" algn="l" defTabSz="914400" rtl="0" eaLnBrk="1" fontAlgn="auto" latinLnBrk="0" hangingPunct="1">
+              <a:lnSpc>
+                <a:spcPct val="100000"/>
+              </a:lnSpc>
+              <a:spcBef>
+                <a:spcPts val="0"/>
+              </a:spcBef>
+              <a:spcAft>
+                <a:spcPts val="0"/>
+              </a:spcAft>
+              <a:buClrTx/>
+              <a:buSzTx/>
+              <a:buFont typeface="Arial" panose="020B0604020202020204" pitchFamily="34" charset="0"/>
+              <a:buChar char="•"/>
+              <a:tabLst/>
+              <a:defRPr/>
+            </a:pPr>
+            <a:r>
+              <a:rPr lang="en-US" sz="1200" dirty="0"/>
+              <a:t>Zhang et al (2019) Interpreting CNNs via Decision Trees. </a:t>
+            </a:r>
+            <a:r>
+              <a:rPr lang="en-US" sz="1200" dirty="0" err="1"/>
+              <a:t>arXiv</a:t>
+            </a:r>
+            <a:r>
+              <a:rPr lang="en-US" sz="1200" dirty="0"/>
+              <a:t>. Decision trees built on features in images - disentangled activations from fully-connected layers to learn feature importance/attribution. </a:t>
+            </a:r>
+          </a:p>
+          <a:p>
+            <a:pPr marL="457200" lvl="1" indent="0">
+              <a:buFont typeface="Arial" panose="020B0604020202020204" pitchFamily="34" charset="0"/>
+              <a:buNone/>
+            </a:pPr>
+            <a:endParaRPr lang="en-US" sz="1200" dirty="0"/>
+          </a:p>
+          <a:p>
+            <a:pPr marL="457200" lvl="1" indent="0">
+              <a:buFont typeface="Arial" panose="020B0604020202020204" pitchFamily="34" charset="0"/>
+              <a:buNone/>
+            </a:pPr>
+            <a:r>
+              <a:rPr lang="en-US" sz="1200" dirty="0"/>
+              <a:t>Hutchinson et al (2011)</a:t>
+            </a:r>
+          </a:p>
+          <a:p>
+            <a:pPr marL="457200" lvl="1" indent="0">
+              <a:buFont typeface="Arial" panose="020B0604020202020204" pitchFamily="34" charset="0"/>
+              <a:buNone/>
+            </a:pPr>
+            <a:r>
+              <a:rPr lang="en-US" sz="1200" dirty="0"/>
+              <a:t>https://www.aaai.org/ocs/index.php/AAAI/AAAI11/paper/viewFile/3711/4086</a:t>
+            </a:r>
+          </a:p>
+        </p:txBody>
+      </p:sp>
+      <p:sp>
+        <p:nvSpPr>
+          <p:cNvPr id="4" name="Slide Number Placeholder 3"/>
+          <p:cNvSpPr>
+            <a:spLocks noGrp="1"/>
+          </p:cNvSpPr>
+          <p:nvPr>
+            <p:ph type="sldNum" sz="quarter" idx="5"/>
+          </p:nvPr>
+        </p:nvSpPr>
+        <p:spPr/>
+        <p:txBody>
+          <a:bodyPr/>
+          <a:lstStyle/>
+          <a:p>
+            <a:fld id="{6A407F20-2D1C-2E46-8BA6-4F54F8A5F561}" type="slidenum">
+              <a:rPr lang="en-US" smtClean="0"/>
               <a:t>16</a:t>
             </a:fld>
             <a:endParaRPr lang="en-US"/>
@@ -1050,7 +1349,524 @@
     </p:spTree>
     <p:extLst>
       <p:ext uri="{BB962C8B-B14F-4D97-AF65-F5344CB8AC3E}">
-        <p14:creationId xmlns:p14="http://schemas.microsoft.com/office/powerpoint/2010/main" val="3888145062"/>
+        <p14:creationId xmlns:p14="http://schemas.microsoft.com/office/powerpoint/2010/main" val="3027067656"/>
+      </p:ext>
+    </p:extLst>
+  </p:cSld>
+  <p:clrMapOvr>
+    <a:masterClrMapping/>
+  </p:clrMapOvr>
+</p:notes>
+</file>
+
+<file path=ppt/notesSlides/notesSlide14.xml><?xml version="1.0" encoding="utf-8"?>
+<p:notes xmlns:a="http://schemas.openxmlformats.org/drawingml/2006/main" xmlns:r="http://schemas.openxmlformats.org/officeDocument/2006/relationships" xmlns:p="http://schemas.openxmlformats.org/presentationml/2006/main">
+  <p:cSld>
+    <p:spTree>
+      <p:nvGrpSpPr>
+        <p:cNvPr id="1" name=""/>
+        <p:cNvGrpSpPr/>
+        <p:nvPr/>
+      </p:nvGrpSpPr>
+      <p:grpSpPr>
+        <a:xfrm>
+          <a:off x="0" y="0"/>
+          <a:ext cx="0" cy="0"/>
+          <a:chOff x="0" y="0"/>
+          <a:chExt cx="0" cy="0"/>
+        </a:xfrm>
+      </p:grpSpPr>
+      <p:sp>
+        <p:nvSpPr>
+          <p:cNvPr id="2" name="Slide Image Placeholder 1"/>
+          <p:cNvSpPr>
+            <a:spLocks noGrp="1" noRot="1" noChangeAspect="1"/>
+          </p:cNvSpPr>
+          <p:nvPr>
+            <p:ph type="sldImg"/>
+          </p:nvPr>
+        </p:nvSpPr>
+        <p:spPr/>
+      </p:sp>
+      <p:sp>
+        <p:nvSpPr>
+          <p:cNvPr id="3" name="Notes Placeholder 2"/>
+          <p:cNvSpPr>
+            <a:spLocks noGrp="1"/>
+          </p:cNvSpPr>
+          <p:nvPr>
+            <p:ph type="body" idx="1"/>
+          </p:nvPr>
+        </p:nvSpPr>
+        <p:spPr/>
+        <p:txBody>
+          <a:bodyPr/>
+          <a:lstStyle/>
+          <a:p>
+            <a:pPr marL="457200" lvl="1" indent="0">
+              <a:buFont typeface="Arial" panose="020B0604020202020204" pitchFamily="34" charset="0"/>
+              <a:buNone/>
+            </a:pPr>
+            <a:endParaRPr lang="en-US" sz="1200" dirty="0"/>
+          </a:p>
+        </p:txBody>
+      </p:sp>
+      <p:sp>
+        <p:nvSpPr>
+          <p:cNvPr id="4" name="Slide Number Placeholder 3"/>
+          <p:cNvSpPr>
+            <a:spLocks noGrp="1"/>
+          </p:cNvSpPr>
+          <p:nvPr>
+            <p:ph type="sldNum" sz="quarter" idx="5"/>
+          </p:nvPr>
+        </p:nvSpPr>
+        <p:spPr/>
+        <p:txBody>
+          <a:bodyPr/>
+          <a:lstStyle/>
+          <a:p>
+            <a:fld id="{6A407F20-2D1C-2E46-8BA6-4F54F8A5F561}" type="slidenum">
+              <a:rPr lang="en-US" smtClean="0"/>
+              <a:t>17</a:t>
+            </a:fld>
+            <a:endParaRPr lang="en-US"/>
+          </a:p>
+        </p:txBody>
+      </p:sp>
+    </p:spTree>
+    <p:extLst>
+      <p:ext uri="{BB962C8B-B14F-4D97-AF65-F5344CB8AC3E}">
+        <p14:creationId xmlns:p14="http://schemas.microsoft.com/office/powerpoint/2010/main" val="3757981485"/>
+      </p:ext>
+    </p:extLst>
+  </p:cSld>
+  <p:clrMapOvr>
+    <a:masterClrMapping/>
+  </p:clrMapOvr>
+</p:notes>
+</file>
+
+<file path=ppt/notesSlides/notesSlide15.xml><?xml version="1.0" encoding="utf-8"?>
+<p:notes xmlns:a="http://schemas.openxmlformats.org/drawingml/2006/main" xmlns:r="http://schemas.openxmlformats.org/officeDocument/2006/relationships" xmlns:p="http://schemas.openxmlformats.org/presentationml/2006/main">
+  <p:cSld>
+    <p:spTree>
+      <p:nvGrpSpPr>
+        <p:cNvPr id="1" name=""/>
+        <p:cNvGrpSpPr/>
+        <p:nvPr/>
+      </p:nvGrpSpPr>
+      <p:grpSpPr>
+        <a:xfrm>
+          <a:off x="0" y="0"/>
+          <a:ext cx="0" cy="0"/>
+          <a:chOff x="0" y="0"/>
+          <a:chExt cx="0" cy="0"/>
+        </a:xfrm>
+      </p:grpSpPr>
+      <p:sp>
+        <p:nvSpPr>
+          <p:cNvPr id="2" name="Slide Image Placeholder 1"/>
+          <p:cNvSpPr>
+            <a:spLocks noGrp="1" noRot="1" noChangeAspect="1"/>
+          </p:cNvSpPr>
+          <p:nvPr>
+            <p:ph type="sldImg"/>
+          </p:nvPr>
+        </p:nvSpPr>
+        <p:spPr/>
+      </p:sp>
+      <p:sp>
+        <p:nvSpPr>
+          <p:cNvPr id="3" name="Notes Placeholder 2"/>
+          <p:cNvSpPr>
+            <a:spLocks noGrp="1"/>
+          </p:cNvSpPr>
+          <p:nvPr>
+            <p:ph type="body" idx="1"/>
+          </p:nvPr>
+        </p:nvSpPr>
+        <p:spPr/>
+        <p:txBody>
+          <a:bodyPr/>
+          <a:lstStyle/>
+          <a:p>
+            <a:endParaRPr lang="en-US" dirty="0"/>
+          </a:p>
+        </p:txBody>
+      </p:sp>
+      <p:sp>
+        <p:nvSpPr>
+          <p:cNvPr id="4" name="Slide Number Placeholder 3"/>
+          <p:cNvSpPr>
+            <a:spLocks noGrp="1"/>
+          </p:cNvSpPr>
+          <p:nvPr>
+            <p:ph type="sldNum" sz="quarter" idx="5"/>
+          </p:nvPr>
+        </p:nvSpPr>
+        <p:spPr/>
+        <p:txBody>
+          <a:bodyPr/>
+          <a:lstStyle/>
+          <a:p>
+            <a:fld id="{6A407F20-2D1C-2E46-8BA6-4F54F8A5F561}" type="slidenum">
+              <a:rPr lang="en-US" smtClean="0"/>
+              <a:t>18</a:t>
+            </a:fld>
+            <a:endParaRPr lang="en-US"/>
+          </a:p>
+        </p:txBody>
+      </p:sp>
+    </p:spTree>
+    <p:extLst>
+      <p:ext uri="{BB962C8B-B14F-4D97-AF65-F5344CB8AC3E}">
+        <p14:creationId xmlns:p14="http://schemas.microsoft.com/office/powerpoint/2010/main" val="4214270435"/>
+      </p:ext>
+    </p:extLst>
+  </p:cSld>
+  <p:clrMapOvr>
+    <a:masterClrMapping/>
+  </p:clrMapOvr>
+</p:notes>
+</file>
+
+<file path=ppt/notesSlides/notesSlide16.xml><?xml version="1.0" encoding="utf-8"?>
+<p:notes xmlns:a="http://schemas.openxmlformats.org/drawingml/2006/main" xmlns:r="http://schemas.openxmlformats.org/officeDocument/2006/relationships" xmlns:p="http://schemas.openxmlformats.org/presentationml/2006/main">
+  <p:cSld>
+    <p:spTree>
+      <p:nvGrpSpPr>
+        <p:cNvPr id="1" name=""/>
+        <p:cNvGrpSpPr/>
+        <p:nvPr/>
+      </p:nvGrpSpPr>
+      <p:grpSpPr>
+        <a:xfrm>
+          <a:off x="0" y="0"/>
+          <a:ext cx="0" cy="0"/>
+          <a:chOff x="0" y="0"/>
+          <a:chExt cx="0" cy="0"/>
+        </a:xfrm>
+      </p:grpSpPr>
+      <p:sp>
+        <p:nvSpPr>
+          <p:cNvPr id="2" name="Slide Image Placeholder 1"/>
+          <p:cNvSpPr>
+            <a:spLocks noGrp="1" noRot="1" noChangeAspect="1"/>
+          </p:cNvSpPr>
+          <p:nvPr>
+            <p:ph type="sldImg"/>
+          </p:nvPr>
+        </p:nvSpPr>
+        <p:spPr/>
+      </p:sp>
+      <p:sp>
+        <p:nvSpPr>
+          <p:cNvPr id="3" name="Notes Placeholder 2"/>
+          <p:cNvSpPr>
+            <a:spLocks noGrp="1"/>
+          </p:cNvSpPr>
+          <p:nvPr>
+            <p:ph type="body" idx="1"/>
+          </p:nvPr>
+        </p:nvSpPr>
+        <p:spPr/>
+        <p:txBody>
+          <a:bodyPr/>
+          <a:lstStyle/>
+          <a:p>
+            <a:endParaRPr lang="en-US" dirty="0"/>
+          </a:p>
+        </p:txBody>
+      </p:sp>
+      <p:sp>
+        <p:nvSpPr>
+          <p:cNvPr id="4" name="Slide Number Placeholder 3"/>
+          <p:cNvSpPr>
+            <a:spLocks noGrp="1"/>
+          </p:cNvSpPr>
+          <p:nvPr>
+            <p:ph type="sldNum" sz="quarter" idx="5"/>
+          </p:nvPr>
+        </p:nvSpPr>
+        <p:spPr/>
+        <p:txBody>
+          <a:bodyPr/>
+          <a:lstStyle/>
+          <a:p>
+            <a:fld id="{6A407F20-2D1C-2E46-8BA6-4F54F8A5F561}" type="slidenum">
+              <a:rPr lang="en-US" smtClean="0"/>
+              <a:t>19</a:t>
+            </a:fld>
+            <a:endParaRPr lang="en-US"/>
+          </a:p>
+        </p:txBody>
+      </p:sp>
+    </p:spTree>
+    <p:extLst>
+      <p:ext uri="{BB962C8B-B14F-4D97-AF65-F5344CB8AC3E}">
+        <p14:creationId xmlns:p14="http://schemas.microsoft.com/office/powerpoint/2010/main" val="1043521589"/>
+      </p:ext>
+    </p:extLst>
+  </p:cSld>
+  <p:clrMapOvr>
+    <a:masterClrMapping/>
+  </p:clrMapOvr>
+</p:notes>
+</file>
+
+<file path=ppt/notesSlides/notesSlide17.xml><?xml version="1.0" encoding="utf-8"?>
+<p:notes xmlns:a="http://schemas.openxmlformats.org/drawingml/2006/main" xmlns:r="http://schemas.openxmlformats.org/officeDocument/2006/relationships" xmlns:p="http://schemas.openxmlformats.org/presentationml/2006/main">
+  <p:cSld>
+    <p:spTree>
+      <p:nvGrpSpPr>
+        <p:cNvPr id="1" name=""/>
+        <p:cNvGrpSpPr/>
+        <p:nvPr/>
+      </p:nvGrpSpPr>
+      <p:grpSpPr>
+        <a:xfrm>
+          <a:off x="0" y="0"/>
+          <a:ext cx="0" cy="0"/>
+          <a:chOff x="0" y="0"/>
+          <a:chExt cx="0" cy="0"/>
+        </a:xfrm>
+      </p:grpSpPr>
+      <p:sp>
+        <p:nvSpPr>
+          <p:cNvPr id="2" name="Slide Image Placeholder 1"/>
+          <p:cNvSpPr>
+            <a:spLocks noGrp="1" noRot="1" noChangeAspect="1"/>
+          </p:cNvSpPr>
+          <p:nvPr>
+            <p:ph type="sldImg"/>
+          </p:nvPr>
+        </p:nvSpPr>
+        <p:spPr/>
+      </p:sp>
+      <p:sp>
+        <p:nvSpPr>
+          <p:cNvPr id="3" name="Notes Placeholder 2"/>
+          <p:cNvSpPr>
+            <a:spLocks noGrp="1"/>
+          </p:cNvSpPr>
+          <p:nvPr>
+            <p:ph type="body" idx="1"/>
+          </p:nvPr>
+        </p:nvSpPr>
+        <p:spPr/>
+        <p:txBody>
+          <a:bodyPr/>
+          <a:lstStyle/>
+          <a:p>
+            <a:r>
+              <a:rPr lang="en-US" dirty="0"/>
+              <a:t>https://stackoverflow.com/questions/39540123/muti-output-regression-in-xgboost</a:t>
+            </a:r>
+          </a:p>
+        </p:txBody>
+      </p:sp>
+      <p:sp>
+        <p:nvSpPr>
+          <p:cNvPr id="4" name="Slide Number Placeholder 3"/>
+          <p:cNvSpPr>
+            <a:spLocks noGrp="1"/>
+          </p:cNvSpPr>
+          <p:nvPr>
+            <p:ph type="sldNum" sz="quarter" idx="5"/>
+          </p:nvPr>
+        </p:nvSpPr>
+        <p:spPr/>
+        <p:txBody>
+          <a:bodyPr/>
+          <a:lstStyle/>
+          <a:p>
+            <a:fld id="{6A407F20-2D1C-2E46-8BA6-4F54F8A5F561}" type="slidenum">
+              <a:rPr lang="en-US" smtClean="0"/>
+              <a:t>20</a:t>
+            </a:fld>
+            <a:endParaRPr lang="en-US"/>
+          </a:p>
+        </p:txBody>
+      </p:sp>
+    </p:spTree>
+    <p:extLst>
+      <p:ext uri="{BB962C8B-B14F-4D97-AF65-F5344CB8AC3E}">
+        <p14:creationId xmlns:p14="http://schemas.microsoft.com/office/powerpoint/2010/main" val="88787362"/>
+      </p:ext>
+    </p:extLst>
+  </p:cSld>
+  <p:clrMapOvr>
+    <a:masterClrMapping/>
+  </p:clrMapOvr>
+</p:notes>
+</file>
+
+<file path=ppt/notesSlides/notesSlide18.xml><?xml version="1.0" encoding="utf-8"?>
+<p:notes xmlns:a="http://schemas.openxmlformats.org/drawingml/2006/main" xmlns:r="http://schemas.openxmlformats.org/officeDocument/2006/relationships" xmlns:p="http://schemas.openxmlformats.org/presentationml/2006/main">
+  <p:cSld>
+    <p:spTree>
+      <p:nvGrpSpPr>
+        <p:cNvPr id="1" name=""/>
+        <p:cNvGrpSpPr/>
+        <p:nvPr/>
+      </p:nvGrpSpPr>
+      <p:grpSpPr>
+        <a:xfrm>
+          <a:off x="0" y="0"/>
+          <a:ext cx="0" cy="0"/>
+          <a:chOff x="0" y="0"/>
+          <a:chExt cx="0" cy="0"/>
+        </a:xfrm>
+      </p:grpSpPr>
+      <p:sp>
+        <p:nvSpPr>
+          <p:cNvPr id="2" name="Slide Image Placeholder 1"/>
+          <p:cNvSpPr>
+            <a:spLocks noGrp="1" noRot="1" noChangeAspect="1"/>
+          </p:cNvSpPr>
+          <p:nvPr>
+            <p:ph type="sldImg"/>
+          </p:nvPr>
+        </p:nvSpPr>
+        <p:spPr/>
+      </p:sp>
+      <p:sp>
+        <p:nvSpPr>
+          <p:cNvPr id="3" name="Notes Placeholder 2"/>
+          <p:cNvSpPr>
+            <a:spLocks noGrp="1"/>
+          </p:cNvSpPr>
+          <p:nvPr>
+            <p:ph type="body" idx="1"/>
+          </p:nvPr>
+        </p:nvSpPr>
+        <p:spPr/>
+        <p:txBody>
+          <a:bodyPr/>
+          <a:lstStyle/>
+          <a:p>
+            <a:r>
+              <a:rPr lang="en-US" dirty="0"/>
+              <a:t>https://stackoverflow.com/questions/39540123/muti-output-regression-in-xgboost</a:t>
+            </a:r>
+          </a:p>
+        </p:txBody>
+      </p:sp>
+      <p:sp>
+        <p:nvSpPr>
+          <p:cNvPr id="4" name="Slide Number Placeholder 3"/>
+          <p:cNvSpPr>
+            <a:spLocks noGrp="1"/>
+          </p:cNvSpPr>
+          <p:nvPr>
+            <p:ph type="sldNum" sz="quarter" idx="5"/>
+          </p:nvPr>
+        </p:nvSpPr>
+        <p:spPr/>
+        <p:txBody>
+          <a:bodyPr/>
+          <a:lstStyle/>
+          <a:p>
+            <a:fld id="{6A407F20-2D1C-2E46-8BA6-4F54F8A5F561}" type="slidenum">
+              <a:rPr lang="en-US" smtClean="0"/>
+              <a:t>21</a:t>
+            </a:fld>
+            <a:endParaRPr lang="en-US"/>
+          </a:p>
+        </p:txBody>
+      </p:sp>
+    </p:spTree>
+    <p:extLst>
+      <p:ext uri="{BB962C8B-B14F-4D97-AF65-F5344CB8AC3E}">
+        <p14:creationId xmlns:p14="http://schemas.microsoft.com/office/powerpoint/2010/main" val="289819784"/>
+      </p:ext>
+    </p:extLst>
+  </p:cSld>
+  <p:clrMapOvr>
+    <a:masterClrMapping/>
+  </p:clrMapOvr>
+</p:notes>
+</file>
+
+<file path=ppt/notesSlides/notesSlide19.xml><?xml version="1.0" encoding="utf-8"?>
+<p:notes xmlns:a="http://schemas.openxmlformats.org/drawingml/2006/main" xmlns:r="http://schemas.openxmlformats.org/officeDocument/2006/relationships" xmlns:p="http://schemas.openxmlformats.org/presentationml/2006/main">
+  <p:cSld>
+    <p:spTree>
+      <p:nvGrpSpPr>
+        <p:cNvPr id="1" name=""/>
+        <p:cNvGrpSpPr/>
+        <p:nvPr/>
+      </p:nvGrpSpPr>
+      <p:grpSpPr>
+        <a:xfrm>
+          <a:off x="0" y="0"/>
+          <a:ext cx="0" cy="0"/>
+          <a:chOff x="0" y="0"/>
+          <a:chExt cx="0" cy="0"/>
+        </a:xfrm>
+      </p:grpSpPr>
+      <p:sp>
+        <p:nvSpPr>
+          <p:cNvPr id="2" name="Slide Image Placeholder 1"/>
+          <p:cNvSpPr>
+            <a:spLocks noGrp="1" noRot="1" noChangeAspect="1"/>
+          </p:cNvSpPr>
+          <p:nvPr>
+            <p:ph type="sldImg"/>
+          </p:nvPr>
+        </p:nvSpPr>
+        <p:spPr/>
+      </p:sp>
+      <p:sp>
+        <p:nvSpPr>
+          <p:cNvPr id="3" name="Notes Placeholder 2"/>
+          <p:cNvSpPr>
+            <a:spLocks noGrp="1"/>
+          </p:cNvSpPr>
+          <p:nvPr>
+            <p:ph type="body" idx="1"/>
+          </p:nvPr>
+        </p:nvSpPr>
+        <p:spPr/>
+        <p:txBody>
+          <a:bodyPr/>
+          <a:lstStyle/>
+          <a:p>
+            <a:r>
+              <a:rPr lang="en-US" dirty="0"/>
+              <a:t>https://stackoverflow.com/questions/39540123/muti-output-regression-in-xgboost</a:t>
+            </a:r>
+          </a:p>
+        </p:txBody>
+      </p:sp>
+      <p:sp>
+        <p:nvSpPr>
+          <p:cNvPr id="4" name="Slide Number Placeholder 3"/>
+          <p:cNvSpPr>
+            <a:spLocks noGrp="1"/>
+          </p:cNvSpPr>
+          <p:nvPr>
+            <p:ph type="sldNum" sz="quarter" idx="5"/>
+          </p:nvPr>
+        </p:nvSpPr>
+        <p:spPr/>
+        <p:txBody>
+          <a:bodyPr/>
+          <a:lstStyle/>
+          <a:p>
+            <a:fld id="{6A407F20-2D1C-2E46-8BA6-4F54F8A5F561}" type="slidenum">
+              <a:rPr lang="en-US" smtClean="0"/>
+              <a:t>22</a:t>
+            </a:fld>
+            <a:endParaRPr lang="en-US"/>
+          </a:p>
+        </p:txBody>
+      </p:sp>
+    </p:spTree>
+    <p:extLst>
+      <p:ext uri="{BB962C8B-B14F-4D97-AF65-F5344CB8AC3E}">
+        <p14:creationId xmlns:p14="http://schemas.microsoft.com/office/powerpoint/2010/main" val="2659775129"/>
       </p:ext>
     </p:extLst>
   </p:cSld>
@@ -1274,6 +2090,93 @@
 </p:notes>
 </file>
 
+<file path=ppt/notesSlides/notesSlide20.xml><?xml version="1.0" encoding="utf-8"?>
+<p:notes xmlns:a="http://schemas.openxmlformats.org/drawingml/2006/main" xmlns:r="http://schemas.openxmlformats.org/officeDocument/2006/relationships" xmlns:p="http://schemas.openxmlformats.org/presentationml/2006/main">
+  <p:cSld>
+    <p:spTree>
+      <p:nvGrpSpPr>
+        <p:cNvPr id="1" name=""/>
+        <p:cNvGrpSpPr/>
+        <p:nvPr/>
+      </p:nvGrpSpPr>
+      <p:grpSpPr>
+        <a:xfrm>
+          <a:off x="0" y="0"/>
+          <a:ext cx="0" cy="0"/>
+          <a:chOff x="0" y="0"/>
+          <a:chExt cx="0" cy="0"/>
+        </a:xfrm>
+      </p:grpSpPr>
+      <p:sp>
+        <p:nvSpPr>
+          <p:cNvPr id="2" name="Slide Image Placeholder 1"/>
+          <p:cNvSpPr>
+            <a:spLocks noGrp="1" noRot="1" noChangeAspect="1"/>
+          </p:cNvSpPr>
+          <p:nvPr>
+            <p:ph type="sldImg"/>
+          </p:nvPr>
+        </p:nvSpPr>
+        <p:spPr/>
+      </p:sp>
+      <p:sp>
+        <p:nvSpPr>
+          <p:cNvPr id="3" name="Notes Placeholder 2"/>
+          <p:cNvSpPr>
+            <a:spLocks noGrp="1"/>
+          </p:cNvSpPr>
+          <p:nvPr>
+            <p:ph type="body" idx="1"/>
+          </p:nvPr>
+        </p:nvSpPr>
+        <p:spPr/>
+        <p:txBody>
+          <a:bodyPr/>
+          <a:lstStyle/>
+          <a:p>
+            <a:r>
+              <a:rPr lang="en-US" dirty="0"/>
+              <a:t>https://stackoverflow.com/questions/39540123/muti-output-regression-in-xgboost</a:t>
+            </a:r>
+          </a:p>
+        </p:txBody>
+      </p:sp>
+      <p:sp>
+        <p:nvSpPr>
+          <p:cNvPr id="4" name="Slide Number Placeholder 3"/>
+          <p:cNvSpPr>
+            <a:spLocks noGrp="1"/>
+          </p:cNvSpPr>
+          <p:nvPr>
+            <p:ph type="sldNum" sz="quarter" idx="5"/>
+          </p:nvPr>
+        </p:nvSpPr>
+        <p:spPr/>
+        <p:txBody>
+          <a:bodyPr/>
+          <a:lstStyle/>
+          <a:p>
+            <a:fld id="{6A407F20-2D1C-2E46-8BA6-4F54F8A5F561}" type="slidenum">
+              <a:rPr lang="en-US" smtClean="0"/>
+              <a:t>23</a:t>
+            </a:fld>
+            <a:endParaRPr lang="en-US"/>
+          </a:p>
+        </p:txBody>
+      </p:sp>
+    </p:spTree>
+    <p:extLst>
+      <p:ext uri="{BB962C8B-B14F-4D97-AF65-F5344CB8AC3E}">
+        <p14:creationId xmlns:p14="http://schemas.microsoft.com/office/powerpoint/2010/main" val="2553049867"/>
+      </p:ext>
+    </p:extLst>
+  </p:cSld>
+  <p:clrMapOvr>
+    <a:masterClrMapping/>
+  </p:clrMapOvr>
+</p:notes>
+</file>
+
 <file path=ppt/notesSlides/notesSlide3.xml><?xml version="1.0" encoding="utf-8"?>
 <p:notes xmlns:a="http://schemas.openxmlformats.org/drawingml/2006/main" xmlns:r="http://schemas.openxmlformats.org/officeDocument/2006/relationships" xmlns:p="http://schemas.openxmlformats.org/presentationml/2006/main">
   <p:cSld>
@@ -1932,6 +2835,56 @@
           <a:bodyPr/>
           <a:lstStyle/>
           <a:p>
+            <a:pPr marL="0" marR="0" lvl="0" indent="0" algn="l" defTabSz="914400" rtl="0" eaLnBrk="1" fontAlgn="auto" latinLnBrk="0" hangingPunct="1">
+              <a:lnSpc>
+                <a:spcPct val="100000"/>
+              </a:lnSpc>
+              <a:spcBef>
+                <a:spcPts val="0"/>
+              </a:spcBef>
+              <a:spcAft>
+                <a:spcPts val="0"/>
+              </a:spcAft>
+              <a:buClrTx/>
+              <a:buSzTx/>
+              <a:buFontTx/>
+              <a:buNone/>
+              <a:tabLst/>
+              <a:defRPr/>
+            </a:pPr>
+            <a:r>
+              <a:rPr lang="en-US" b="0" i="0" dirty="0">
+                <a:solidFill>
+                  <a:srgbClr val="666666"/>
+                </a:solidFill>
+                <a:effectLst/>
+                <a:latin typeface="Nexus Sans Pro"/>
+              </a:rPr>
+              <a:t>Random Forest: </a:t>
+            </a:r>
+            <a:r>
+              <a:rPr lang="en-US" sz="1200" dirty="0"/>
+              <a:t>Murthy et al (1993) OC1: randomized induction of oblique decision trees. In: Proceedings of the Eleventh National Conference on Artificial Intelligence, pp. 322–327.</a:t>
+            </a:r>
+            <a:endParaRPr lang="en-US" b="0" i="0" dirty="0">
+              <a:solidFill>
+                <a:srgbClr val="666666"/>
+              </a:solidFill>
+              <a:effectLst/>
+              <a:latin typeface="Nexus Sans Pro"/>
+            </a:endParaRPr>
+          </a:p>
+          <a:p>
+            <a:r>
+              <a:rPr lang="en-US" b="0" i="0" dirty="0">
+                <a:solidFill>
+                  <a:srgbClr val="666666"/>
+                </a:solidFill>
+                <a:effectLst/>
+                <a:latin typeface="Nexus Sans Pro"/>
+              </a:rPr>
+              <a:t>-&gt; Multivariate trees classify examples by testing linear combinations of the features at each non-leaf node of the tree. Each test is equivalent to a hyperplane at an oblique orientation to the axes. Because of the computational intractability of finding an optimal orientation for these hyperplanes, heuristic methods must be used to produce good trees</a:t>
+            </a:r>
             <a:endParaRPr lang="en-US" sz="1200" dirty="0">
               <a:solidFill>
                 <a:srgbClr val="006600"/>
@@ -1997,6 +2950,16 @@
           <a:bodyPr/>
           <a:lstStyle/>
           <a:p>
+            <a:r>
+              <a:rPr lang="en-US" b="0" i="0" dirty="0">
+                <a:solidFill>
+                  <a:srgbClr val="3D4251"/>
+                </a:solidFill>
+                <a:effectLst/>
+                <a:latin typeface="Lora" panose="020B0604020202020204" pitchFamily="2" charset="0"/>
+              </a:rPr>
+              <a:t>Boosting is a sequential technique which works on the principle of an ensemble. It combines a set of weak learners and delivers improved prediction accuracy. At any instant t, the model outcomes are weighed based on the outcomes of previous instant t-1. The outcomes predicted correctly are given a lower weight and the ones miss-classified are weighted higher. Note that a weak learner is one which is slightly better than random guessing.</a:t>
+            </a:r>
             <a:endParaRPr lang="en-US" dirty="0"/>
           </a:p>
         </p:txBody>
@@ -2018,7 +2981,7 @@
           <a:p>
             <a:fld id="{6A407F20-2D1C-2E46-8BA6-4F54F8A5F561}" type="slidenum">
               <a:rPr lang="en-US" smtClean="0"/>
-              <a:t>13</a:t>
+              <a:t>11</a:t>
             </a:fld>
             <a:endParaRPr lang="en-US"/>
           </a:p>
@@ -2027,7 +2990,7 @@
     </p:spTree>
     <p:extLst>
       <p:ext uri="{BB962C8B-B14F-4D97-AF65-F5344CB8AC3E}">
-        <p14:creationId xmlns:p14="http://schemas.microsoft.com/office/powerpoint/2010/main" val="2773855827"/>
+        <p14:creationId xmlns:p14="http://schemas.microsoft.com/office/powerpoint/2010/main" val="4021165401"/>
       </p:ext>
     </p:extLst>
   </p:cSld>
@@ -2083,13 +3046,16 @@
           <a:p>
             <a:r>
               <a:rPr lang="en-US" dirty="0"/>
-              <a:t>When you see articles saying RF works well for high-dimensional problem, they mean the input features – some people take the high-dimensional input and take PCA approximation to reduce the dimension (but this removes interpretability!)</a:t>
-            </a:r>
+              <a:t>https://www.kdd.org/kdd2016/papers/files/rfp0697-chenAemb.pdf</a:t>
+            </a:r>
+          </a:p>
+          <a:p>
+            <a:endParaRPr lang="en-US" dirty="0"/>
           </a:p>
           <a:p>
             <a:r>
               <a:rPr lang="en-US" dirty="0"/>
-              <a:t>For unconventional problems, the input feature is already small anyway, </a:t>
+              <a:t>https://github.com/benedekrozemberczki/awesome-decision-tree-papers</a:t>
             </a:r>
           </a:p>
         </p:txBody>
@@ -2111,7 +3077,7 @@
           <a:p>
             <a:fld id="{6A407F20-2D1C-2E46-8BA6-4F54F8A5F561}" type="slidenum">
               <a:rPr lang="en-US" smtClean="0"/>
-              <a:t>14</a:t>
+              <a:t>12</a:t>
             </a:fld>
             <a:endParaRPr lang="en-US"/>
           </a:p>
@@ -2120,7 +3086,7 @@
     </p:spTree>
     <p:extLst>
       <p:ext uri="{BB962C8B-B14F-4D97-AF65-F5344CB8AC3E}">
-        <p14:creationId xmlns:p14="http://schemas.microsoft.com/office/powerpoint/2010/main" val="3960622307"/>
+        <p14:creationId xmlns:p14="http://schemas.microsoft.com/office/powerpoint/2010/main" val="4168652167"/>
       </p:ext>
     </p:extLst>
   </p:cSld>
@@ -2273,7 +3239,7 @@
           <a:p>
             <a:fld id="{DACC4411-3C12-1242-A1EF-05D816833A20}" type="datetime1">
               <a:rPr lang="en-CA" smtClean="0"/>
-              <a:t>2022-01-21</a:t>
+              <a:t>2022-01-22</a:t>
             </a:fld>
             <a:endParaRPr lang="en-US"/>
           </a:p>
@@ -2481,7 +3447,7 @@
           <a:p>
             <a:fld id="{478264D7-17BA-3A43-B22E-A8F295269971}" type="datetime1">
               <a:rPr lang="en-CA" smtClean="0"/>
-              <a:t>2022-01-21</a:t>
+              <a:t>2022-01-22</a:t>
             </a:fld>
             <a:endParaRPr lang="en-US"/>
           </a:p>
@@ -2689,7 +3655,7 @@
           <a:p>
             <a:fld id="{D8C3A585-FD75-E244-8B2C-6DED86098F35}" type="datetime1">
               <a:rPr lang="en-CA" smtClean="0"/>
-              <a:t>2022-01-21</a:t>
+              <a:t>2022-01-22</a:t>
             </a:fld>
             <a:endParaRPr lang="en-US"/>
           </a:p>
@@ -3137,7 +4103,7 @@
           <a:p>
             <a:fld id="{DE3CFEA5-9DDD-074F-AF2A-064021B7C86B}" type="datetime1">
               <a:rPr lang="en-CA" smtClean="0"/>
-              <a:t>2022-01-21</a:t>
+              <a:t>2022-01-22</a:t>
             </a:fld>
             <a:endParaRPr lang="en-US"/>
           </a:p>
@@ -3472,7 +4438,7 @@
           <a:p>
             <a:fld id="{1ACCF1EB-120C-6347-86E3-74995B451FA3}" type="datetime1">
               <a:rPr lang="en-CA" smtClean="0"/>
-              <a:t>2022-01-21</a:t>
+              <a:t>2022-01-22</a:t>
             </a:fld>
             <a:endParaRPr lang="en-US"/>
           </a:p>
@@ -3739,7 +4705,7 @@
           <a:p>
             <a:fld id="{32EFDAAA-69DF-5146-93F2-8D17FA929C3F}" type="datetime1">
               <a:rPr lang="en-CA" smtClean="0"/>
-              <a:t>2022-01-21</a:t>
+              <a:t>2022-01-22</a:t>
             </a:fld>
             <a:endParaRPr lang="en-US"/>
           </a:p>
@@ -4142,7 +5108,7 @@
           <a:p>
             <a:fld id="{9D695DAC-654A-5F42-B9EA-F1C7C4FD30B7}" type="datetime1">
               <a:rPr lang="en-CA" smtClean="0"/>
-              <a:t>2022-01-21</a:t>
+              <a:t>2022-01-22</a:t>
             </a:fld>
             <a:endParaRPr lang="en-US"/>
           </a:p>
@@ -4291,7 +5257,7 @@
           <a:p>
             <a:fld id="{952B017E-B38D-3446-9048-0829D1733C7F}" type="datetime1">
               <a:rPr lang="en-CA" smtClean="0"/>
-              <a:t>2022-01-21</a:t>
+              <a:t>2022-01-22</a:t>
             </a:fld>
             <a:endParaRPr lang="en-US"/>
           </a:p>
@@ -4410,7 +5376,7 @@
           <a:p>
             <a:fld id="{E68F341D-8D84-C143-8305-B54DB4B481F3}" type="datetime1">
               <a:rPr lang="en-CA" smtClean="0"/>
-              <a:t>2022-01-21</a:t>
+              <a:t>2022-01-22</a:t>
             </a:fld>
             <a:endParaRPr lang="en-US"/>
           </a:p>
@@ -4718,7 +5684,7 @@
           <a:p>
             <a:fld id="{A8BD9EC8-0729-0C46-A9F8-ECFCA3669EA5}" type="datetime1">
               <a:rPr lang="en-CA" smtClean="0"/>
-              <a:t>2022-01-21</a:t>
+              <a:t>2022-01-22</a:t>
             </a:fld>
             <a:endParaRPr lang="en-US"/>
           </a:p>
@@ -5003,7 +5969,7 @@
           <a:p>
             <a:fld id="{0550B317-C293-F140-A197-390CD2B27873}" type="datetime1">
               <a:rPr lang="en-CA" smtClean="0"/>
-              <a:t>2022-01-21</a:t>
+              <a:t>2022-01-22</a:t>
             </a:fld>
             <a:endParaRPr lang="en-US"/>
           </a:p>
@@ -6512,8 +7478,14 @@
             </a:r>
           </a:p>
           <a:p>
-            <a:pPr lvl="1"/>
-            <a:endParaRPr lang="en-US" dirty="0"/>
+            <a:pPr marL="742950" lvl="1" indent="-285750">
+              <a:buFont typeface="Arial" panose="020B0604020202020204" pitchFamily="34" charset="0"/>
+              <a:buChar char="•"/>
+            </a:pPr>
+            <a:r>
+              <a:rPr lang="en-US" dirty="0"/>
+              <a:t>How to find optimal orientation of hyperplanes?</a:t>
+            </a:r>
           </a:p>
           <a:p>
             <a:pPr lvl="1"/>
@@ -6912,7 +7884,7 @@
           <p:nvPr/>
         </p:nvPicPr>
         <p:blipFill>
-          <a:blip r:embed="rId2"/>
+          <a:blip r:embed="rId3"/>
           <a:stretch>
             <a:fillRect/>
           </a:stretch>
@@ -6942,7 +7914,7 @@
           <p:nvPr/>
         </p:nvPicPr>
         <p:blipFill>
-          <a:blip r:embed="rId3">
+          <a:blip r:embed="rId4">
             <a:extLst>
               <a:ext uri="{28A0092B-C50C-407E-A947-70E740481C1C}">
                 <a14:useLocalDpi xmlns:a14="http://schemas.microsoft.com/office/drawing/2010/main" val="0"/>
@@ -7041,10 +8013,15 @@
           <a:p>
             <a:pPr lvl="1"/>
             <a:r>
-              <a:rPr lang="en-US" b="1" dirty="0" err="1"/>
+              <a:rPr lang="en-US" b="1" dirty="0">
+                <a:hlinkClick r:id="rId3"/>
+              </a:rPr>
               <a:t>XGBoost</a:t>
             </a:r>
-            <a:endParaRPr lang="en-US" b="1" dirty="0"/>
+            <a:r>
+              <a:rPr lang="en-US" b="1" dirty="0"/>
+              <a:t> (Chen at al, 2016)</a:t>
+            </a:r>
           </a:p>
           <a:p>
             <a:pPr marL="742950" lvl="1" indent="-285750">
@@ -7053,15 +8030,7 @@
             </a:pPr>
             <a:r>
               <a:rPr lang="en-US" dirty="0"/>
-              <a:t>Build “</a:t>
-            </a:r>
-            <a:r>
-              <a:rPr lang="en-US" dirty="0" err="1"/>
-              <a:t>XGBoost</a:t>
-            </a:r>
-            <a:r>
-              <a:rPr lang="en-US" dirty="0"/>
-              <a:t> trees” using Gain (i.e., similarity of each leaf), dependent on errors of preceding trees</a:t>
+              <a:t>Build “XGBoost trees” using Gain (i.e., similarity of each leaf), dependent on errors of preceding trees</a:t>
             </a:r>
           </a:p>
           <a:p>
@@ -7136,7 +8105,7 @@
           <a:lstStyle/>
           <a:p>
             <a:r>
-              <a:rPr lang="en-US" sz="3600" dirty="0" err="1">
+              <a:rPr lang="en-US" sz="3600" dirty="0">
                 <a:solidFill>
                   <a:srgbClr val="990000"/>
                 </a:solidFill>
@@ -7145,13 +8114,6 @@
               </a:rPr>
               <a:t>XGBoost</a:t>
             </a:r>
-            <a:endParaRPr lang="en-US" sz="3600" dirty="0">
-              <a:solidFill>
-                <a:srgbClr val="990000"/>
-              </a:solidFill>
-              <a:latin typeface="Arial" panose="020B0604020202020204" pitchFamily="34" charset="0"/>
-              <a:cs typeface="Arial" panose="020B0604020202020204" pitchFamily="34" charset="0"/>
-            </a:endParaRPr>
           </a:p>
         </p:txBody>
       </p:sp>
@@ -7170,7 +8132,7 @@
           <p:nvPr/>
         </p:nvPicPr>
         <p:blipFill>
-          <a:blip r:embed="rId2"/>
+          <a:blip r:embed="rId4"/>
           <a:stretch>
             <a:fillRect/>
           </a:stretch>
@@ -7322,7 +8284,7 @@
           <p:nvPr/>
         </p:nvPicPr>
         <p:blipFill>
-          <a:blip r:embed="rId3"/>
+          <a:blip r:embed="rId5"/>
           <a:stretch>
             <a:fillRect/>
           </a:stretch>
@@ -7561,7 +8523,7 @@
           <p:nvPr/>
         </p:nvPicPr>
         <p:blipFill>
-          <a:blip r:embed="rId4"/>
+          <a:blip r:embed="rId6"/>
           <a:stretch>
             <a:fillRect/>
           </a:stretch>
@@ -7809,7 +8771,7 @@
           <a:lstStyle/>
           <a:p>
             <a:r>
-              <a:rPr lang="en-US" sz="3600" dirty="0" err="1">
+              <a:rPr lang="en-US" sz="3600" dirty="0">
                 <a:solidFill>
                   <a:srgbClr val="990000"/>
                 </a:solidFill>
@@ -7818,13 +8780,6 @@
               </a:rPr>
               <a:t>XGBoost</a:t>
             </a:r>
-            <a:endParaRPr lang="en-US" sz="3600" dirty="0">
-              <a:solidFill>
-                <a:srgbClr val="990000"/>
-              </a:solidFill>
-              <a:latin typeface="Arial" panose="020B0604020202020204" pitchFamily="34" charset="0"/>
-              <a:cs typeface="Arial" panose="020B0604020202020204" pitchFamily="34" charset="0"/>
-            </a:endParaRPr>
           </a:p>
         </p:txBody>
       </p:sp>
@@ -8474,7 +9429,7 @@
                 <a:latin typeface="Arial" panose="020B0604020202020204" pitchFamily="34" charset="0"/>
                 <a:cs typeface="Arial" panose="020B0604020202020204" pitchFamily="34" charset="0"/>
               </a:rPr>
-              <a:t>The Proposed Idea</a:t>
+              <a:t>The Proposed Idea: Hybridization</a:t>
             </a:r>
           </a:p>
         </p:txBody>
@@ -9286,10 +10241,10 @@
         </p:nvGrpSpPr>
         <p:grpSpPr>
           <a:xfrm>
-            <a:off x="2862943" y="3384867"/>
-            <a:ext cx="7783286" cy="3036401"/>
-            <a:chOff x="2862943" y="3384867"/>
-            <a:chExt cx="7783286" cy="3036401"/>
+            <a:off x="2862943" y="3486809"/>
+            <a:ext cx="7783286" cy="2934459"/>
+            <a:chOff x="2862943" y="3486809"/>
+            <a:chExt cx="7783286" cy="2934459"/>
           </a:xfrm>
         </p:grpSpPr>
         <p:sp>
@@ -9351,8 +10306,8 @@
           </p:nvSpPr>
           <p:spPr>
             <a:xfrm>
-              <a:off x="2862943" y="3384867"/>
-              <a:ext cx="5745782" cy="3036401"/>
+              <a:off x="2862943" y="3486809"/>
+              <a:ext cx="5745782" cy="2934459"/>
             </a:xfrm>
             <a:prstGeom prst="rect">
               <a:avLst/>
@@ -9545,7 +10500,7 @@
           <p:cNvPr id="3" name="TextBox 2">
             <a:extLst>
               <a:ext uri="{FF2B5EF4-FFF2-40B4-BE49-F238E27FC236}">
-                <a16:creationId xmlns:a16="http://schemas.microsoft.com/office/drawing/2014/main" id="{F338F700-9A50-4F1D-8971-7A8DFB5AE3AD}"/>
+                <a16:creationId xmlns:a16="http://schemas.microsoft.com/office/drawing/2014/main" id="{40121297-7A60-41B5-B589-C87FE0487D54}"/>
               </a:ext>
             </a:extLst>
           </p:cNvPr>
@@ -9576,15 +10531,182 @@
                 <a:latin typeface="Arial" panose="020B0604020202020204" pitchFamily="34" charset="0"/>
                 <a:cs typeface="Arial" panose="020B0604020202020204" pitchFamily="34" charset="0"/>
               </a:rPr>
-              <a:t>Experiments</a:t>
-            </a:r>
+              <a:t>Literature Search: Trees for High-dim. Output</a:t>
+            </a:r>
+          </a:p>
+        </p:txBody>
+      </p:sp>
+      <p:pic>
+        <p:nvPicPr>
+          <p:cNvPr id="7" name="Picture 6">
+            <a:extLst>
+              <a:ext uri="{FF2B5EF4-FFF2-40B4-BE49-F238E27FC236}">
+                <a16:creationId xmlns:a16="http://schemas.microsoft.com/office/drawing/2014/main" id="{9E7C36B4-C016-45FE-A4B5-4B6CB5467288}"/>
+              </a:ext>
+            </a:extLst>
+          </p:cNvPr>
+          <p:cNvPicPr>
+            <a:picLocks noChangeAspect="1"/>
+          </p:cNvPicPr>
+          <p:nvPr/>
+        </p:nvPicPr>
+        <p:blipFill>
+          <a:blip r:embed="rId3"/>
+          <a:stretch>
+            <a:fillRect/>
+          </a:stretch>
+        </p:blipFill>
+        <p:spPr>
+          <a:xfrm>
+            <a:off x="5546001" y="1156782"/>
+            <a:ext cx="6321229" cy="2416342"/>
+          </a:xfrm>
+          <a:prstGeom prst="rect">
+            <a:avLst/>
+          </a:prstGeom>
+        </p:spPr>
+      </p:pic>
+      <p:sp>
+        <p:nvSpPr>
+          <p:cNvPr id="12" name="TextBox 11">
+            <a:extLst>
+              <a:ext uri="{FF2B5EF4-FFF2-40B4-BE49-F238E27FC236}">
+                <a16:creationId xmlns:a16="http://schemas.microsoft.com/office/drawing/2014/main" id="{C4C50660-3C47-4254-862F-431D6A00C57D}"/>
+              </a:ext>
+            </a:extLst>
+          </p:cNvPr>
+          <p:cNvSpPr txBox="1"/>
+          <p:nvPr/>
+        </p:nvSpPr>
+        <p:spPr>
+          <a:xfrm>
+            <a:off x="172429" y="1348333"/>
+            <a:ext cx="5428924" cy="2062103"/>
+          </a:xfrm>
+          <a:prstGeom prst="rect">
+            <a:avLst/>
+          </a:prstGeom>
+          <a:noFill/>
+        </p:spPr>
+        <p:txBody>
+          <a:bodyPr wrap="square">
+            <a:spAutoFit/>
+          </a:bodyPr>
+          <a:lstStyle/>
+          <a:p>
+            <a:pPr marL="742950" lvl="1" indent="-285750">
+              <a:buFont typeface="Arial" panose="020B0604020202020204" pitchFamily="34" charset="0"/>
+              <a:buChar char="•"/>
+            </a:pPr>
+            <a:r>
+              <a:rPr lang="en-US" sz="1600" dirty="0"/>
+              <a:t>Do et al (2010) Classifying very-high dimensional data with random forests of oblique decision trees. In: Advances in Knowledge Discovery and Management. Studies in Computational Intelligence, vol. 292, pp. 39–55. Springer-Verlag, Berlin.</a:t>
+            </a:r>
+          </a:p>
+          <a:p>
+            <a:pPr marL="1200150" lvl="2" indent="-285750">
+              <a:buFont typeface="Wingdings" panose="05000000000000000000" pitchFamily="2" charset="2"/>
+              <a:buChar char="Ø"/>
+            </a:pPr>
+            <a:r>
+              <a:rPr lang="en-US" sz="1600" dirty="0"/>
+              <a:t>Handling high-dimensional (i.e., hundreds) output classes for classification problems using oblique splitting</a:t>
+            </a:r>
+          </a:p>
+        </p:txBody>
+      </p:sp>
+      <p:pic>
+        <p:nvPicPr>
+          <p:cNvPr id="13" name="Picture 12">
+            <a:extLst>
+              <a:ext uri="{FF2B5EF4-FFF2-40B4-BE49-F238E27FC236}">
+                <a16:creationId xmlns:a16="http://schemas.microsoft.com/office/drawing/2014/main" id="{7C3A1DC3-C883-4C25-84DA-0DB3C5D765E9}"/>
+              </a:ext>
+            </a:extLst>
+          </p:cNvPr>
+          <p:cNvPicPr>
+            <a:picLocks noChangeAspect="1"/>
+          </p:cNvPicPr>
+          <p:nvPr/>
+        </p:nvPicPr>
+        <p:blipFill>
+          <a:blip r:embed="rId4"/>
+          <a:srcRect/>
+          <a:stretch/>
+        </p:blipFill>
+        <p:spPr>
+          <a:xfrm>
+            <a:off x="8706616" y="3932888"/>
+            <a:ext cx="2916631" cy="2129819"/>
+          </a:xfrm>
+          <a:prstGeom prst="rect">
+            <a:avLst/>
+          </a:prstGeom>
+        </p:spPr>
+      </p:pic>
+      <p:sp>
+        <p:nvSpPr>
+          <p:cNvPr id="14" name="TextBox 13">
+            <a:extLst>
+              <a:ext uri="{FF2B5EF4-FFF2-40B4-BE49-F238E27FC236}">
+                <a16:creationId xmlns:a16="http://schemas.microsoft.com/office/drawing/2014/main" id="{38F9EB09-5EA2-43C5-AA4C-CA52A3822C25}"/>
+              </a:ext>
+            </a:extLst>
+          </p:cNvPr>
+          <p:cNvSpPr txBox="1"/>
+          <p:nvPr/>
+        </p:nvSpPr>
+        <p:spPr>
+          <a:xfrm>
+            <a:off x="172429" y="4493047"/>
+            <a:ext cx="8255726" cy="1569660"/>
+          </a:xfrm>
+          <a:prstGeom prst="rect">
+            <a:avLst/>
+          </a:prstGeom>
+          <a:noFill/>
+        </p:spPr>
+        <p:txBody>
+          <a:bodyPr wrap="square">
+            <a:spAutoFit/>
+          </a:bodyPr>
+          <a:lstStyle/>
+          <a:p>
+            <a:pPr marL="742950" lvl="1" indent="-285750">
+              <a:buFont typeface="Arial" panose="020B0604020202020204" pitchFamily="34" charset="0"/>
+              <a:buChar char="•"/>
+            </a:pPr>
+            <a:r>
+              <a:rPr lang="en-US" sz="1600" dirty="0">
+                <a:hlinkClick r:id="rId5"/>
+              </a:rPr>
+              <a:t>Hutchinson et al (2011) </a:t>
+            </a:r>
+            <a:r>
+              <a:rPr lang="en-US" sz="1600" dirty="0"/>
+              <a:t>Incorporating Boosted Regression Trees into Ecological Latent Variable Models. AAAI.</a:t>
+            </a:r>
+          </a:p>
+          <a:p>
+            <a:pPr marL="1200150" lvl="2" indent="-285750">
+              <a:buFont typeface="Wingdings" panose="05000000000000000000" pitchFamily="2" charset="2"/>
+              <a:buChar char="Ø"/>
+            </a:pPr>
+            <a:r>
+              <a:rPr lang="en-US" sz="1600" dirty="0"/>
+              <a:t>Decision trees from features to latent variable z, for modeling distribution of species indirectly using imperfect detection (observable features described by the latent variables)</a:t>
+            </a:r>
+          </a:p>
+          <a:p>
+            <a:pPr lvl="2"/>
+            <a:endParaRPr lang="en-US" sz="1600" dirty="0"/>
           </a:p>
         </p:txBody>
       </p:sp>
     </p:spTree>
     <p:extLst>
       <p:ext uri="{BB962C8B-B14F-4D97-AF65-F5344CB8AC3E}">
-        <p14:creationId xmlns:p14="http://schemas.microsoft.com/office/powerpoint/2010/main" val="2503512444"/>
+        <p14:creationId xmlns:p14="http://schemas.microsoft.com/office/powerpoint/2010/main" val="313567880"/>
       </p:ext>
     </p:extLst>
   </p:cSld>
@@ -9613,10 +10735,10 @@
       </p:grpSpPr>
       <p:sp>
         <p:nvSpPr>
-          <p:cNvPr id="2" name="TextBox 1">
+          <p:cNvPr id="3" name="TextBox 2">
             <a:extLst>
               <a:ext uri="{FF2B5EF4-FFF2-40B4-BE49-F238E27FC236}">
-                <a16:creationId xmlns:a16="http://schemas.microsoft.com/office/drawing/2014/main" id="{6FC5732C-D51E-4E7E-9F60-5E117B8D73FD}"/>
+                <a16:creationId xmlns:a16="http://schemas.microsoft.com/office/drawing/2014/main" id="{40121297-7A60-41B5-B589-C87FE0487D54}"/>
               </a:ext>
             </a:extLst>
           </p:cNvPr>
@@ -9625,8 +10747,8 @@
         </p:nvSpPr>
         <p:spPr>
           <a:xfrm>
-            <a:off x="-10612" y="2594762"/>
-            <a:ext cx="12187809" cy="1085810"/>
+            <a:off x="0" y="-45265"/>
+            <a:ext cx="10164932" cy="646331"/>
           </a:xfrm>
           <a:prstGeom prst="rect">
             <a:avLst/>
@@ -9639,27 +10761,1837 @@
           </a:bodyPr>
           <a:lstStyle/>
           <a:p>
-            <a:pPr algn="ctr">
-              <a:lnSpc>
-                <a:spcPct val="150000"/>
-              </a:lnSpc>
-            </a:pPr>
-            <a:r>
-              <a:rPr lang="en-US" sz="4800" dirty="0">
+            <a:r>
+              <a:rPr lang="en-US" sz="3600" dirty="0">
                 <a:solidFill>
                   <a:srgbClr val="990000"/>
                 </a:solidFill>
+                <a:latin typeface="Arial" panose="020B0604020202020204" pitchFamily="34" charset="0"/>
                 <a:cs typeface="Arial" panose="020B0604020202020204" pitchFamily="34" charset="0"/>
               </a:rPr>
-              <a:t>Thanks!</a:t>
-            </a:r>
+              <a:t>Literature Search: Trees for High-dim. Output</a:t>
+            </a:r>
+          </a:p>
+        </p:txBody>
+      </p:sp>
+      <p:pic>
+        <p:nvPicPr>
+          <p:cNvPr id="15" name="Picture 14">
+            <a:extLst>
+              <a:ext uri="{FF2B5EF4-FFF2-40B4-BE49-F238E27FC236}">
+                <a16:creationId xmlns:a16="http://schemas.microsoft.com/office/drawing/2014/main" id="{FE5CFFA2-C05D-4F1F-86EB-DE1A625450C3}"/>
+              </a:ext>
+            </a:extLst>
+          </p:cNvPr>
+          <p:cNvPicPr>
+            <a:picLocks noChangeAspect="1"/>
+          </p:cNvPicPr>
+          <p:nvPr/>
+        </p:nvPicPr>
+        <p:blipFill>
+          <a:blip r:embed="rId3"/>
+          <a:srcRect/>
+          <a:stretch/>
+        </p:blipFill>
+        <p:spPr>
+          <a:xfrm>
+            <a:off x="7759338" y="896687"/>
+            <a:ext cx="3814354" cy="3188225"/>
+          </a:xfrm>
+          <a:prstGeom prst="rect">
+            <a:avLst/>
+          </a:prstGeom>
+        </p:spPr>
+      </p:pic>
+      <p:sp>
+        <p:nvSpPr>
+          <p:cNvPr id="16" name="TextBox 15">
+            <a:extLst>
+              <a:ext uri="{FF2B5EF4-FFF2-40B4-BE49-F238E27FC236}">
+                <a16:creationId xmlns:a16="http://schemas.microsoft.com/office/drawing/2014/main" id="{C7D1B310-4EF2-4D6C-A8F3-B2B583914494}"/>
+              </a:ext>
+            </a:extLst>
+          </p:cNvPr>
+          <p:cNvSpPr txBox="1"/>
+          <p:nvPr/>
+        </p:nvSpPr>
+        <p:spPr>
+          <a:xfrm>
+            <a:off x="-41801" y="1089242"/>
+            <a:ext cx="7592132" cy="1169551"/>
+          </a:xfrm>
+          <a:prstGeom prst="rect">
+            <a:avLst/>
+          </a:prstGeom>
+          <a:noFill/>
+        </p:spPr>
+        <p:txBody>
+          <a:bodyPr wrap="square">
+            <a:spAutoFit/>
+          </a:bodyPr>
+          <a:lstStyle/>
+          <a:p>
+            <a:pPr marL="742950" lvl="1" indent="-285750">
+              <a:buFont typeface="Arial" panose="020B0604020202020204" pitchFamily="34" charset="0"/>
+              <a:buChar char="•"/>
+            </a:pPr>
+            <a:r>
+              <a:rPr lang="en-US" sz="1400" dirty="0">
+                <a:hlinkClick r:id="rId4"/>
+              </a:rPr>
+              <a:t>Kim et al (2015) </a:t>
+            </a:r>
+            <a:r>
+              <a:rPr lang="en-US" sz="1400" dirty="0"/>
+              <a:t>A Decision Tree Framework for Spatiotemporal Sequence Prediction. ACM KDD. </a:t>
+            </a:r>
+          </a:p>
+          <a:p>
+            <a:pPr marL="1200150" lvl="2" indent="-285750">
+              <a:buFont typeface="Wingdings" panose="05000000000000000000" pitchFamily="2" charset="2"/>
+              <a:buChar char="Ø"/>
+            </a:pPr>
+            <a:r>
+              <a:rPr lang="en-US" sz="1400" dirty="0"/>
+              <a:t>Decompose spatiotemporal sequence prediction into a series of overlapping fixed-length latent variables multivariate regression problems</a:t>
+            </a:r>
+          </a:p>
+          <a:p>
+            <a:pPr marL="1200150" lvl="2" indent="-285750">
+              <a:buFont typeface="Wingdings" panose="05000000000000000000" pitchFamily="2" charset="2"/>
+              <a:buChar char="Ø"/>
+            </a:pPr>
+            <a:r>
+              <a:rPr lang="en-US" sz="1400" dirty="0"/>
+              <a:t>Local (independent) or cascading effects to capture interdependency in the output</a:t>
+            </a:r>
+          </a:p>
+        </p:txBody>
+      </p:sp>
+      <p:pic>
+        <p:nvPicPr>
+          <p:cNvPr id="11" name="Picture 10">
+            <a:extLst>
+              <a:ext uri="{FF2B5EF4-FFF2-40B4-BE49-F238E27FC236}">
+                <a16:creationId xmlns:a16="http://schemas.microsoft.com/office/drawing/2014/main" id="{8FB7300B-5BDC-492D-915E-EB7A81AB9CC7}"/>
+              </a:ext>
+            </a:extLst>
+          </p:cNvPr>
+          <p:cNvPicPr>
+            <a:picLocks noChangeAspect="1"/>
+          </p:cNvPicPr>
+          <p:nvPr/>
+        </p:nvPicPr>
+        <p:blipFill>
+          <a:blip r:embed="rId5"/>
+          <a:stretch>
+            <a:fillRect/>
+          </a:stretch>
+        </p:blipFill>
+        <p:spPr>
+          <a:xfrm>
+            <a:off x="3924082" y="2362114"/>
+            <a:ext cx="3494252" cy="849719"/>
+          </a:xfrm>
+          <a:prstGeom prst="rect">
+            <a:avLst/>
+          </a:prstGeom>
+        </p:spPr>
+      </p:pic>
+      <p:sp>
+        <p:nvSpPr>
+          <p:cNvPr id="10" name="TextBox 9">
+            <a:extLst>
+              <a:ext uri="{FF2B5EF4-FFF2-40B4-BE49-F238E27FC236}">
+                <a16:creationId xmlns:a16="http://schemas.microsoft.com/office/drawing/2014/main" id="{FA59AA88-2AD4-4795-A508-E8F89692AD42}"/>
+              </a:ext>
+            </a:extLst>
+          </p:cNvPr>
+          <p:cNvSpPr txBox="1"/>
+          <p:nvPr/>
+        </p:nvSpPr>
+        <p:spPr>
+          <a:xfrm>
+            <a:off x="-41801" y="3420768"/>
+            <a:ext cx="7592132" cy="1384995"/>
+          </a:xfrm>
+          <a:prstGeom prst="rect">
+            <a:avLst/>
+          </a:prstGeom>
+          <a:noFill/>
+        </p:spPr>
+        <p:txBody>
+          <a:bodyPr wrap="square">
+            <a:spAutoFit/>
+          </a:bodyPr>
+          <a:lstStyle/>
+          <a:p>
+            <a:pPr marL="742950" lvl="1" indent="-285750">
+              <a:buFont typeface="Arial" panose="020B0604020202020204" pitchFamily="34" charset="0"/>
+              <a:buChar char="•"/>
+            </a:pPr>
+            <a:r>
+              <a:rPr lang="en-US" sz="1400" dirty="0">
+                <a:hlinkClick r:id="rId6"/>
+              </a:rPr>
+              <a:t>Si et al (2017) </a:t>
+            </a:r>
+            <a:r>
+              <a:rPr lang="en-US" sz="1400" dirty="0"/>
+              <a:t>Gradient Boosted Decision Trees for High Dimensional Sparse Output. ICML.</a:t>
+            </a:r>
+          </a:p>
+          <a:p>
+            <a:pPr marL="1200150" lvl="2" indent="-285750">
+              <a:buFont typeface="Wingdings" panose="05000000000000000000" pitchFamily="2" charset="2"/>
+              <a:buChar char="Ø"/>
+            </a:pPr>
+            <a:r>
+              <a:rPr lang="en-US" sz="1400" dirty="0"/>
+              <a:t>GBDT for high-dim. and sparse output using sparsity inducing regularization for classification problem (1/0 encoding).</a:t>
+            </a:r>
+          </a:p>
+          <a:p>
+            <a:pPr marL="1200150" lvl="2" indent="-285750">
+              <a:buFont typeface="Wingdings" panose="05000000000000000000" pitchFamily="2" charset="2"/>
+              <a:buChar char="Ø"/>
+            </a:pPr>
+            <a:r>
+              <a:rPr lang="en-US" sz="1400" dirty="0"/>
+              <a:t>Crucial observation that each data point has very few labels; and solve a L0 regularized optimization problem to enforce the prediction of each leaf node in each tree to have only a small number (k) of nonzero elements or labels.</a:t>
+            </a:r>
+          </a:p>
+        </p:txBody>
+      </p:sp>
+      <p:sp>
+        <p:nvSpPr>
+          <p:cNvPr id="17" name="TextBox 16">
+            <a:extLst>
+              <a:ext uri="{FF2B5EF4-FFF2-40B4-BE49-F238E27FC236}">
+                <a16:creationId xmlns:a16="http://schemas.microsoft.com/office/drawing/2014/main" id="{AAE628F9-A45C-4A0F-A9BF-DD2A2B16DFF9}"/>
+              </a:ext>
+            </a:extLst>
+          </p:cNvPr>
+          <p:cNvSpPr txBox="1"/>
+          <p:nvPr/>
+        </p:nvSpPr>
+        <p:spPr>
+          <a:xfrm>
+            <a:off x="-41801" y="4941658"/>
+            <a:ext cx="7592132" cy="954107"/>
+          </a:xfrm>
+          <a:prstGeom prst="rect">
+            <a:avLst/>
+          </a:prstGeom>
+          <a:noFill/>
+        </p:spPr>
+        <p:txBody>
+          <a:bodyPr wrap="square">
+            <a:spAutoFit/>
+          </a:bodyPr>
+          <a:lstStyle/>
+          <a:p>
+            <a:pPr marL="742950" lvl="1" indent="-285750">
+              <a:buFont typeface="Arial" panose="020B0604020202020204" pitchFamily="34" charset="0"/>
+              <a:buChar char="•"/>
+            </a:pPr>
+            <a:r>
+              <a:rPr lang="en-US" sz="1400" dirty="0">
+                <a:hlinkClick r:id="rId7"/>
+              </a:rPr>
+              <a:t>Yu et al (2014) </a:t>
+            </a:r>
+            <a:r>
+              <a:rPr lang="en-US" sz="1400" dirty="0"/>
+              <a:t>Large-scale Multi-label Learning with Missing Labels. PMLR.</a:t>
+            </a:r>
+          </a:p>
+          <a:p>
+            <a:pPr marL="742950" lvl="1" indent="-285750">
+              <a:buFont typeface="Arial" panose="020B0604020202020204" pitchFamily="34" charset="0"/>
+              <a:buChar char="•"/>
+            </a:pPr>
+            <a:r>
+              <a:rPr lang="en-US" sz="1400" dirty="0">
+                <a:hlinkClick r:id="rId8"/>
+              </a:rPr>
+              <a:t>Bhatia et al (2015) </a:t>
+            </a:r>
+            <a:r>
+              <a:rPr lang="en-US" sz="1400" dirty="0"/>
+              <a:t>Sparse Local Embeddings for Extreme Multi-label Classification. NIPS.</a:t>
+            </a:r>
+          </a:p>
+          <a:p>
+            <a:pPr marL="1200150" lvl="2" indent="-285750">
+              <a:buFont typeface="Wingdings" panose="05000000000000000000" pitchFamily="2" charset="2"/>
+              <a:buChar char="Ø"/>
+            </a:pPr>
+            <a:r>
+              <a:rPr lang="en-US" sz="1400" dirty="0"/>
+              <a:t>Dimension reduction of high-dimensional labels</a:t>
+            </a:r>
+          </a:p>
+          <a:p>
+            <a:pPr marL="1200150" lvl="2" indent="-285750">
+              <a:buFont typeface="Wingdings" panose="05000000000000000000" pitchFamily="2" charset="2"/>
+              <a:buChar char="Ø"/>
+            </a:pPr>
+            <a:endParaRPr lang="en-US" sz="1400" dirty="0"/>
           </a:p>
         </p:txBody>
       </p:sp>
     </p:spTree>
     <p:extLst>
       <p:ext uri="{BB962C8B-B14F-4D97-AF65-F5344CB8AC3E}">
-        <p14:creationId xmlns:p14="http://schemas.microsoft.com/office/powerpoint/2010/main" val="3947830770"/>
+        <p14:creationId xmlns:p14="http://schemas.microsoft.com/office/powerpoint/2010/main" val="1285694806"/>
+      </p:ext>
+    </p:extLst>
+  </p:cSld>
+  <p:clrMapOvr>
+    <a:masterClrMapping/>
+  </p:clrMapOvr>
+</p:sld>
+</file>
+
+<file path=ppt/slides/slide18.xml><?xml version="1.0" encoding="utf-8"?>
+<p:sld xmlns:a="http://schemas.openxmlformats.org/drawingml/2006/main" xmlns:r="http://schemas.openxmlformats.org/officeDocument/2006/relationships" xmlns:p="http://schemas.openxmlformats.org/presentationml/2006/main">
+  <p:cSld>
+    <p:spTree>
+      <p:nvGrpSpPr>
+        <p:cNvPr id="1" name=""/>
+        <p:cNvGrpSpPr/>
+        <p:nvPr/>
+      </p:nvGrpSpPr>
+      <p:grpSpPr>
+        <a:xfrm>
+          <a:off x="0" y="0"/>
+          <a:ext cx="0" cy="0"/>
+          <a:chOff x="0" y="0"/>
+          <a:chExt cx="0" cy="0"/>
+        </a:xfrm>
+      </p:grpSpPr>
+      <p:sp>
+        <p:nvSpPr>
+          <p:cNvPr id="3" name="TextBox 2">
+            <a:extLst>
+              <a:ext uri="{FF2B5EF4-FFF2-40B4-BE49-F238E27FC236}">
+                <a16:creationId xmlns:a16="http://schemas.microsoft.com/office/drawing/2014/main" id="{F338F700-9A50-4F1D-8971-7A8DFB5AE3AD}"/>
+              </a:ext>
+            </a:extLst>
+          </p:cNvPr>
+          <p:cNvSpPr txBox="1"/>
+          <p:nvPr/>
+        </p:nvSpPr>
+        <p:spPr>
+          <a:xfrm>
+            <a:off x="0" y="-45265"/>
+            <a:ext cx="10164932" cy="646331"/>
+          </a:xfrm>
+          <a:prstGeom prst="rect">
+            <a:avLst/>
+          </a:prstGeom>
+          <a:noFill/>
+        </p:spPr>
+        <p:txBody>
+          <a:bodyPr wrap="square" rtlCol="0">
+            <a:spAutoFit/>
+          </a:bodyPr>
+          <a:lstStyle/>
+          <a:p>
+            <a:r>
+              <a:rPr lang="en-US" sz="3600" dirty="0">
+                <a:solidFill>
+                  <a:srgbClr val="990000"/>
+                </a:solidFill>
+                <a:latin typeface="Arial" panose="020B0604020202020204" pitchFamily="34" charset="0"/>
+                <a:cs typeface="Arial" panose="020B0604020202020204" pitchFamily="34" charset="0"/>
+              </a:rPr>
+              <a:t>Experiment I</a:t>
+            </a:r>
+          </a:p>
+        </p:txBody>
+      </p:sp>
+      <p:grpSp>
+        <p:nvGrpSpPr>
+          <p:cNvPr id="23" name="Group 22">
+            <a:extLst>
+              <a:ext uri="{FF2B5EF4-FFF2-40B4-BE49-F238E27FC236}">
+                <a16:creationId xmlns:a16="http://schemas.microsoft.com/office/drawing/2014/main" id="{3E90886F-9E89-4E50-B0AB-7DC8084FFCB6}"/>
+              </a:ext>
+            </a:extLst>
+          </p:cNvPr>
+          <p:cNvGrpSpPr/>
+          <p:nvPr/>
+        </p:nvGrpSpPr>
+        <p:grpSpPr>
+          <a:xfrm>
+            <a:off x="6716684" y="934064"/>
+            <a:ext cx="4379121" cy="5125720"/>
+            <a:chOff x="7303950" y="769867"/>
+            <a:chExt cx="4379121" cy="5125720"/>
+          </a:xfrm>
+        </p:grpSpPr>
+        <p:grpSp>
+          <p:nvGrpSpPr>
+            <p:cNvPr id="18" name="Group 17">
+              <a:extLst>
+                <a:ext uri="{FF2B5EF4-FFF2-40B4-BE49-F238E27FC236}">
+                  <a16:creationId xmlns:a16="http://schemas.microsoft.com/office/drawing/2014/main" id="{091037C9-737C-436D-9A20-49B0A74A3B28}"/>
+                </a:ext>
+              </a:extLst>
+            </p:cNvPr>
+            <p:cNvGrpSpPr/>
+            <p:nvPr/>
+          </p:nvGrpSpPr>
+          <p:grpSpPr>
+            <a:xfrm>
+              <a:off x="7303950" y="769867"/>
+              <a:ext cx="4379121" cy="1861833"/>
+              <a:chOff x="6856986" y="835668"/>
+              <a:chExt cx="4379121" cy="1861833"/>
+            </a:xfrm>
+          </p:grpSpPr>
+          <p:grpSp>
+            <p:nvGrpSpPr>
+              <p:cNvPr id="11" name="Group 10">
+                <a:extLst>
+                  <a:ext uri="{FF2B5EF4-FFF2-40B4-BE49-F238E27FC236}">
+                    <a16:creationId xmlns:a16="http://schemas.microsoft.com/office/drawing/2014/main" id="{E2D431C9-4D5E-4CC4-9CF8-EC8BF354E650}"/>
+                  </a:ext>
+                </a:extLst>
+              </p:cNvPr>
+              <p:cNvGrpSpPr>
+                <a:grpSpLocks noChangeAspect="1"/>
+              </p:cNvGrpSpPr>
+              <p:nvPr/>
+            </p:nvGrpSpPr>
+            <p:grpSpPr>
+              <a:xfrm>
+                <a:off x="6856986" y="1020334"/>
+                <a:ext cx="4379121" cy="1677167"/>
+                <a:chOff x="3129210" y="3531840"/>
+                <a:chExt cx="6207115" cy="2377275"/>
+              </a:xfrm>
+            </p:grpSpPr>
+            <p:grpSp>
+              <p:nvGrpSpPr>
+                <p:cNvPr id="13" name="Group 12">
+                  <a:extLst>
+                    <a:ext uri="{FF2B5EF4-FFF2-40B4-BE49-F238E27FC236}">
+                      <a16:creationId xmlns:a16="http://schemas.microsoft.com/office/drawing/2014/main" id="{241878E1-1BFC-48EB-9A8A-BA294FF79D1D}"/>
+                    </a:ext>
+                  </a:extLst>
+                </p:cNvPr>
+                <p:cNvGrpSpPr/>
+                <p:nvPr/>
+              </p:nvGrpSpPr>
+              <p:grpSpPr>
+                <a:xfrm>
+                  <a:off x="3129210" y="3908865"/>
+                  <a:ext cx="6207115" cy="2000250"/>
+                  <a:chOff x="3129210" y="3908865"/>
+                  <a:chExt cx="6207115" cy="2000250"/>
+                </a:xfrm>
+              </p:grpSpPr>
+              <p:pic>
+                <p:nvPicPr>
+                  <p:cNvPr id="15" name="Picture 14">
+                    <a:extLst>
+                      <a:ext uri="{FF2B5EF4-FFF2-40B4-BE49-F238E27FC236}">
+                        <a16:creationId xmlns:a16="http://schemas.microsoft.com/office/drawing/2014/main" id="{94EE5157-69CC-4EFE-9057-D0E4BC0974A5}"/>
+                      </a:ext>
+                    </a:extLst>
+                  </p:cNvPr>
+                  <p:cNvPicPr>
+                    <a:picLocks noChangeAspect="1" noChangeArrowheads="1"/>
+                  </p:cNvPicPr>
+                  <p:nvPr/>
+                </p:nvPicPr>
+                <p:blipFill>
+                  <a:blip r:embed="rId3">
+                    <a:extLst>
+                      <a:ext uri="{28A0092B-C50C-407E-A947-70E740481C1C}">
+                        <a14:useLocalDpi xmlns:a14="http://schemas.microsoft.com/office/drawing/2010/main" val="0"/>
+                      </a:ext>
+                    </a:extLst>
+                  </a:blip>
+                  <a:srcRect/>
+                  <a:stretch>
+                    <a:fillRect/>
+                  </a:stretch>
+                </p:blipFill>
+                <p:spPr bwMode="auto">
+                  <a:xfrm>
+                    <a:off x="3129210" y="3908865"/>
+                    <a:ext cx="1971675" cy="2000250"/>
+                  </a:xfrm>
+                  <a:prstGeom prst="rect">
+                    <a:avLst/>
+                  </a:prstGeom>
+                  <a:noFill/>
+                  <a:extLst>
+                    <a:ext uri="{909E8E84-426E-40DD-AFC4-6F175D3DCCD1}">
+                      <a14:hiddenFill xmlns:a14="http://schemas.microsoft.com/office/drawing/2010/main">
+                        <a:solidFill>
+                          <a:srgbClr val="FFFFFF"/>
+                        </a:solidFill>
+                      </a14:hiddenFill>
+                    </a:ext>
+                  </a:extLst>
+                </p:spPr>
+              </p:pic>
+              <p:pic>
+                <p:nvPicPr>
+                  <p:cNvPr id="16" name="Picture 16">
+                    <a:extLst>
+                      <a:ext uri="{FF2B5EF4-FFF2-40B4-BE49-F238E27FC236}">
+                        <a16:creationId xmlns:a16="http://schemas.microsoft.com/office/drawing/2014/main" id="{ED9E6F0D-5D35-43C4-ACC4-C962E96618FF}"/>
+                      </a:ext>
+                    </a:extLst>
+                  </p:cNvPr>
+                  <p:cNvPicPr>
+                    <a:picLocks noChangeAspect="1" noChangeArrowheads="1"/>
+                  </p:cNvPicPr>
+                  <p:nvPr/>
+                </p:nvPicPr>
+                <p:blipFill>
+                  <a:blip r:embed="rId4">
+                    <a:extLst>
+                      <a:ext uri="{28A0092B-C50C-407E-A947-70E740481C1C}">
+                        <a14:useLocalDpi xmlns:a14="http://schemas.microsoft.com/office/drawing/2010/main" val="0"/>
+                      </a:ext>
+                    </a:extLst>
+                  </a:blip>
+                  <a:srcRect/>
+                  <a:stretch>
+                    <a:fillRect/>
+                  </a:stretch>
+                </p:blipFill>
+                <p:spPr bwMode="auto">
+                  <a:xfrm>
+                    <a:off x="5246930" y="3908865"/>
+                    <a:ext cx="1971675" cy="2000250"/>
+                  </a:xfrm>
+                  <a:prstGeom prst="rect">
+                    <a:avLst/>
+                  </a:prstGeom>
+                  <a:noFill/>
+                  <a:extLst>
+                    <a:ext uri="{909E8E84-426E-40DD-AFC4-6F175D3DCCD1}">
+                      <a14:hiddenFill xmlns:a14="http://schemas.microsoft.com/office/drawing/2010/main">
+                        <a:solidFill>
+                          <a:srgbClr val="FFFFFF"/>
+                        </a:solidFill>
+                      </a14:hiddenFill>
+                    </a:ext>
+                  </a:extLst>
+                </p:spPr>
+              </p:pic>
+              <p:pic>
+                <p:nvPicPr>
+                  <p:cNvPr id="17" name="Picture 18">
+                    <a:extLst>
+                      <a:ext uri="{FF2B5EF4-FFF2-40B4-BE49-F238E27FC236}">
+                        <a16:creationId xmlns:a16="http://schemas.microsoft.com/office/drawing/2014/main" id="{69BF0D34-1FC5-466C-9AEB-6BB98B6971C6}"/>
+                      </a:ext>
+                    </a:extLst>
+                  </p:cNvPr>
+                  <p:cNvPicPr>
+                    <a:picLocks noChangeAspect="1" noChangeArrowheads="1"/>
+                  </p:cNvPicPr>
+                  <p:nvPr/>
+                </p:nvPicPr>
+                <p:blipFill>
+                  <a:blip r:embed="rId5">
+                    <a:extLst>
+                      <a:ext uri="{28A0092B-C50C-407E-A947-70E740481C1C}">
+                        <a14:useLocalDpi xmlns:a14="http://schemas.microsoft.com/office/drawing/2010/main" val="0"/>
+                      </a:ext>
+                    </a:extLst>
+                  </a:blip>
+                  <a:srcRect/>
+                  <a:stretch>
+                    <a:fillRect/>
+                  </a:stretch>
+                </p:blipFill>
+                <p:spPr bwMode="auto">
+                  <a:xfrm>
+                    <a:off x="7364650" y="3908865"/>
+                    <a:ext cx="1971675" cy="2000250"/>
+                  </a:xfrm>
+                  <a:prstGeom prst="rect">
+                    <a:avLst/>
+                  </a:prstGeom>
+                  <a:noFill/>
+                  <a:extLst>
+                    <a:ext uri="{909E8E84-426E-40DD-AFC4-6F175D3DCCD1}">
+                      <a14:hiddenFill xmlns:a14="http://schemas.microsoft.com/office/drawing/2010/main">
+                        <a:solidFill>
+                          <a:srgbClr val="FFFFFF"/>
+                        </a:solidFill>
+                      </a14:hiddenFill>
+                    </a:ext>
+                  </a:extLst>
+                </p:spPr>
+              </p:pic>
+            </p:grpSp>
+            <p:sp>
+              <p:nvSpPr>
+                <p:cNvPr id="14" name="TextBox 13">
+                  <a:extLst>
+                    <a:ext uri="{FF2B5EF4-FFF2-40B4-BE49-F238E27FC236}">
+                      <a16:creationId xmlns:a16="http://schemas.microsoft.com/office/drawing/2014/main" id="{41890CD8-C5FF-4128-A840-16FB80119F2A}"/>
+                    </a:ext>
+                  </a:extLst>
+                </p:cNvPr>
+                <p:cNvSpPr txBox="1"/>
+                <p:nvPr/>
+              </p:nvSpPr>
+              <p:spPr>
+                <a:xfrm>
+                  <a:off x="3370218" y="3531840"/>
+                  <a:ext cx="5899186" cy="369332"/>
+                </a:xfrm>
+                <a:prstGeom prst="rect">
+                  <a:avLst/>
+                </a:prstGeom>
+                <a:noFill/>
+              </p:spPr>
+              <p:txBody>
+                <a:bodyPr wrap="square" rtlCol="0">
+                  <a:spAutoFit/>
+                </a:bodyPr>
+                <a:lstStyle/>
+                <a:p>
+                  <a:pPr lvl="2"/>
+                  <a:r>
+                    <a:rPr lang="en-US" dirty="0"/>
+                    <a:t>	</a:t>
+                  </a:r>
+                </a:p>
+              </p:txBody>
+            </p:sp>
+          </p:grpSp>
+          <p:sp>
+            <p:nvSpPr>
+              <p:cNvPr id="12" name="TextBox 11">
+                <a:extLst>
+                  <a:ext uri="{FF2B5EF4-FFF2-40B4-BE49-F238E27FC236}">
+                    <a16:creationId xmlns:a16="http://schemas.microsoft.com/office/drawing/2014/main" id="{508E4A30-FC0B-4A49-87DC-42DA3D32B96F}"/>
+                  </a:ext>
+                </a:extLst>
+              </p:cNvPr>
+              <p:cNvSpPr txBox="1"/>
+              <p:nvPr/>
+            </p:nvSpPr>
+            <p:spPr>
+              <a:xfrm>
+                <a:off x="6907639" y="835668"/>
+                <a:ext cx="4281255" cy="369332"/>
+              </a:xfrm>
+              <a:prstGeom prst="rect">
+                <a:avLst/>
+              </a:prstGeom>
+              <a:noFill/>
+            </p:spPr>
+            <p:txBody>
+              <a:bodyPr wrap="square" rtlCol="0">
+                <a:spAutoFit/>
+              </a:bodyPr>
+              <a:lstStyle/>
+              <a:p>
+                <a:pPr algn="ctr"/>
+                <a:r>
+                  <a:rPr lang="en-US" dirty="0"/>
+                  <a:t>Output (Production profiles)</a:t>
+                </a:r>
+              </a:p>
+            </p:txBody>
+          </p:sp>
+        </p:grpSp>
+        <p:grpSp>
+          <p:nvGrpSpPr>
+            <p:cNvPr id="20" name="Group 19">
+              <a:extLst>
+                <a:ext uri="{FF2B5EF4-FFF2-40B4-BE49-F238E27FC236}">
+                  <a16:creationId xmlns:a16="http://schemas.microsoft.com/office/drawing/2014/main" id="{65117BDA-DCD4-45E5-A5C3-95C0EF6A68BA}"/>
+                </a:ext>
+              </a:extLst>
+            </p:cNvPr>
+            <p:cNvGrpSpPr/>
+            <p:nvPr/>
+          </p:nvGrpSpPr>
+          <p:grpSpPr>
+            <a:xfrm>
+              <a:off x="7823888" y="3074684"/>
+              <a:ext cx="3339244" cy="2035503"/>
+              <a:chOff x="1586621" y="3006760"/>
+              <a:chExt cx="3339244" cy="2035503"/>
+            </a:xfrm>
+          </p:grpSpPr>
+          <p:grpSp>
+            <p:nvGrpSpPr>
+              <p:cNvPr id="19" name="Group 18">
+                <a:extLst>
+                  <a:ext uri="{FF2B5EF4-FFF2-40B4-BE49-F238E27FC236}">
+                    <a16:creationId xmlns:a16="http://schemas.microsoft.com/office/drawing/2014/main" id="{C400E097-99CF-468D-91F6-AD908E264A8E}"/>
+                  </a:ext>
+                </a:extLst>
+              </p:cNvPr>
+              <p:cNvGrpSpPr/>
+              <p:nvPr/>
+            </p:nvGrpSpPr>
+            <p:grpSpPr>
+              <a:xfrm>
+                <a:off x="1586621" y="3429000"/>
+                <a:ext cx="3339244" cy="1613263"/>
+                <a:chOff x="1586621" y="3429000"/>
+                <a:chExt cx="3339244" cy="1613263"/>
+              </a:xfrm>
+            </p:grpSpPr>
+            <p:pic>
+              <p:nvPicPr>
+                <p:cNvPr id="2050" name="Picture 2">
+                  <a:extLst>
+                    <a:ext uri="{FF2B5EF4-FFF2-40B4-BE49-F238E27FC236}">
+                      <a16:creationId xmlns:a16="http://schemas.microsoft.com/office/drawing/2014/main" id="{D2B0AE17-C76C-4CB6-B093-5ADD02D43ABD}"/>
+                    </a:ext>
+                  </a:extLst>
+                </p:cNvPr>
+                <p:cNvPicPr>
+                  <a:picLocks noChangeAspect="1" noChangeArrowheads="1"/>
+                </p:cNvPicPr>
+                <p:nvPr/>
+              </p:nvPicPr>
+              <p:blipFill>
+                <a:blip r:embed="rId6">
+                  <a:extLst>
+                    <a:ext uri="{28A0092B-C50C-407E-A947-70E740481C1C}">
+                      <a14:useLocalDpi xmlns:a14="http://schemas.microsoft.com/office/drawing/2010/main" val="0"/>
+                    </a:ext>
+                  </a:extLst>
+                </a:blip>
+                <a:srcRect/>
+                <a:stretch>
+                  <a:fillRect/>
+                </a:stretch>
+              </p:blipFill>
+              <p:spPr bwMode="auto">
+                <a:xfrm>
+                  <a:off x="1586621" y="3429000"/>
+                  <a:ext cx="1669622" cy="1613263"/>
+                </a:xfrm>
+                <a:prstGeom prst="rect">
+                  <a:avLst/>
+                </a:prstGeom>
+                <a:noFill/>
+                <a:extLst>
+                  <a:ext uri="{909E8E84-426E-40DD-AFC4-6F175D3DCCD1}">
+                    <a14:hiddenFill xmlns:a14="http://schemas.microsoft.com/office/drawing/2010/main">
+                      <a:solidFill>
+                        <a:srgbClr val="FFFFFF"/>
+                      </a:solidFill>
+                    </a14:hiddenFill>
+                  </a:ext>
+                </a:extLst>
+              </p:spPr>
+            </p:pic>
+            <p:pic>
+              <p:nvPicPr>
+                <p:cNvPr id="2052" name="Picture 4">
+                  <a:extLst>
+                    <a:ext uri="{FF2B5EF4-FFF2-40B4-BE49-F238E27FC236}">
+                      <a16:creationId xmlns:a16="http://schemas.microsoft.com/office/drawing/2014/main" id="{21104424-B80E-412C-85F0-1F2EA861D32B}"/>
+                    </a:ext>
+                  </a:extLst>
+                </p:cNvPr>
+                <p:cNvPicPr>
+                  <a:picLocks noChangeAspect="1" noChangeArrowheads="1"/>
+                </p:cNvPicPr>
+                <p:nvPr/>
+              </p:nvPicPr>
+              <p:blipFill>
+                <a:blip r:embed="rId7">
+                  <a:extLst>
+                    <a:ext uri="{28A0092B-C50C-407E-A947-70E740481C1C}">
+                      <a14:useLocalDpi xmlns:a14="http://schemas.microsoft.com/office/drawing/2010/main" val="0"/>
+                    </a:ext>
+                  </a:extLst>
+                </a:blip>
+                <a:srcRect/>
+                <a:stretch>
+                  <a:fillRect/>
+                </a:stretch>
+              </p:blipFill>
+              <p:spPr bwMode="auto">
+                <a:xfrm>
+                  <a:off x="3256243" y="3429000"/>
+                  <a:ext cx="1669622" cy="1613263"/>
+                </a:xfrm>
+                <a:prstGeom prst="rect">
+                  <a:avLst/>
+                </a:prstGeom>
+                <a:noFill/>
+                <a:extLst>
+                  <a:ext uri="{909E8E84-426E-40DD-AFC4-6F175D3DCCD1}">
+                    <a14:hiddenFill xmlns:a14="http://schemas.microsoft.com/office/drawing/2010/main">
+                      <a:solidFill>
+                        <a:srgbClr val="FFFFFF"/>
+                      </a:solidFill>
+                    </a14:hiddenFill>
+                  </a:ext>
+                </a:extLst>
+              </p:spPr>
+            </p:pic>
+          </p:grpSp>
+          <p:sp>
+            <p:nvSpPr>
+              <p:cNvPr id="22" name="TextBox 21">
+                <a:extLst>
+                  <a:ext uri="{FF2B5EF4-FFF2-40B4-BE49-F238E27FC236}">
+                    <a16:creationId xmlns:a16="http://schemas.microsoft.com/office/drawing/2014/main" id="{E9C0D9D5-E33A-4161-A8DA-E27623847FEE}"/>
+                  </a:ext>
+                </a:extLst>
+              </p:cNvPr>
+              <p:cNvSpPr txBox="1"/>
+              <p:nvPr/>
+            </p:nvSpPr>
+            <p:spPr>
+              <a:xfrm>
+                <a:off x="1666821" y="3006760"/>
+                <a:ext cx="3218688" cy="369332"/>
+              </a:xfrm>
+              <a:prstGeom prst="rect">
+                <a:avLst/>
+              </a:prstGeom>
+              <a:noFill/>
+            </p:spPr>
+            <p:txBody>
+              <a:bodyPr wrap="square" rtlCol="0">
+                <a:spAutoFit/>
+              </a:bodyPr>
+              <a:lstStyle/>
+              <a:p>
+                <a:pPr algn="ctr"/>
+                <a:r>
+                  <a:rPr lang="en-US" dirty="0"/>
+                  <a:t>Dimension reduction</a:t>
+                </a:r>
+              </a:p>
+            </p:txBody>
+          </p:sp>
+        </p:grpSp>
+        <p:sp>
+          <p:nvSpPr>
+            <p:cNvPr id="21" name="Arrow: Down 20">
+              <a:extLst>
+                <a:ext uri="{FF2B5EF4-FFF2-40B4-BE49-F238E27FC236}">
+                  <a16:creationId xmlns:a16="http://schemas.microsoft.com/office/drawing/2014/main" id="{79611F5F-00F4-4F9D-801C-B8C5DD8681D2}"/>
+                </a:ext>
+              </a:extLst>
+            </p:cNvPr>
+            <p:cNvSpPr/>
+            <p:nvPr/>
+          </p:nvSpPr>
+          <p:spPr>
+            <a:xfrm>
+              <a:off x="9408615" y="2734070"/>
+              <a:ext cx="292608" cy="296514"/>
+            </a:xfrm>
+            <a:prstGeom prst="downArrow">
+              <a:avLst/>
+            </a:prstGeom>
+            <a:solidFill>
+              <a:schemeClr val="tx1">
+                <a:lumMod val="50000"/>
+                <a:lumOff val="50000"/>
+              </a:schemeClr>
+            </a:solidFill>
+            <a:ln>
+              <a:solidFill>
+                <a:schemeClr val="tx1">
+                  <a:lumMod val="50000"/>
+                  <a:lumOff val="50000"/>
+                </a:schemeClr>
+              </a:solidFill>
+            </a:ln>
+          </p:spPr>
+          <p:style>
+            <a:lnRef idx="2">
+              <a:schemeClr val="accent1">
+                <a:shade val="50000"/>
+              </a:schemeClr>
+            </a:lnRef>
+            <a:fillRef idx="1">
+              <a:schemeClr val="accent1"/>
+            </a:fillRef>
+            <a:effectRef idx="0">
+              <a:schemeClr val="accent1"/>
+            </a:effectRef>
+            <a:fontRef idx="minor">
+              <a:schemeClr val="lt1"/>
+            </a:fontRef>
+          </p:style>
+          <p:txBody>
+            <a:bodyPr rtlCol="0" anchor="ctr"/>
+            <a:lstStyle/>
+            <a:p>
+              <a:pPr algn="ctr"/>
+              <a:endParaRPr lang="en-US"/>
+            </a:p>
+          </p:txBody>
+        </p:sp>
+        <p:sp>
+          <p:nvSpPr>
+            <p:cNvPr id="25" name="Arrow: Down 24">
+              <a:extLst>
+                <a:ext uri="{FF2B5EF4-FFF2-40B4-BE49-F238E27FC236}">
+                  <a16:creationId xmlns:a16="http://schemas.microsoft.com/office/drawing/2014/main" id="{3B04BACB-5452-4CFA-8CF5-DF7DC7A30C2D}"/>
+                </a:ext>
+              </a:extLst>
+            </p:cNvPr>
+            <p:cNvSpPr/>
+            <p:nvPr/>
+          </p:nvSpPr>
+          <p:spPr>
+            <a:xfrm>
+              <a:off x="9414711" y="5169964"/>
+              <a:ext cx="292608" cy="296514"/>
+            </a:xfrm>
+            <a:prstGeom prst="downArrow">
+              <a:avLst/>
+            </a:prstGeom>
+            <a:solidFill>
+              <a:schemeClr val="tx1">
+                <a:lumMod val="50000"/>
+                <a:lumOff val="50000"/>
+              </a:schemeClr>
+            </a:solidFill>
+            <a:ln>
+              <a:solidFill>
+                <a:schemeClr val="tx1">
+                  <a:lumMod val="50000"/>
+                  <a:lumOff val="50000"/>
+                </a:schemeClr>
+              </a:solidFill>
+            </a:ln>
+          </p:spPr>
+          <p:style>
+            <a:lnRef idx="2">
+              <a:schemeClr val="accent1">
+                <a:shade val="50000"/>
+              </a:schemeClr>
+            </a:lnRef>
+            <a:fillRef idx="1">
+              <a:schemeClr val="accent1"/>
+            </a:fillRef>
+            <a:effectRef idx="0">
+              <a:schemeClr val="accent1"/>
+            </a:effectRef>
+            <a:fontRef idx="minor">
+              <a:schemeClr val="lt1"/>
+            </a:fontRef>
+          </p:style>
+          <p:txBody>
+            <a:bodyPr rtlCol="0" anchor="ctr"/>
+            <a:lstStyle/>
+            <a:p>
+              <a:pPr algn="ctr"/>
+              <a:endParaRPr lang="en-US"/>
+            </a:p>
+          </p:txBody>
+        </p:sp>
+        <p:sp>
+          <p:nvSpPr>
+            <p:cNvPr id="26" name="TextBox 25">
+              <a:extLst>
+                <a:ext uri="{FF2B5EF4-FFF2-40B4-BE49-F238E27FC236}">
+                  <a16:creationId xmlns:a16="http://schemas.microsoft.com/office/drawing/2014/main" id="{1BA2994C-12AA-49B0-B3D0-BF88842A998A}"/>
+                </a:ext>
+              </a:extLst>
+            </p:cNvPr>
+            <p:cNvSpPr txBox="1"/>
+            <p:nvPr/>
+          </p:nvSpPr>
+          <p:spPr>
+            <a:xfrm>
+              <a:off x="8145999" y="5526255"/>
+              <a:ext cx="2889504" cy="369332"/>
+            </a:xfrm>
+            <a:prstGeom prst="rect">
+              <a:avLst/>
+            </a:prstGeom>
+            <a:noFill/>
+          </p:spPr>
+          <p:txBody>
+            <a:bodyPr wrap="square" rtlCol="0">
+              <a:spAutoFit/>
+            </a:bodyPr>
+            <a:lstStyle/>
+            <a:p>
+              <a:pPr algn="ctr"/>
+              <a:r>
+                <a:rPr lang="en-US" dirty="0"/>
+                <a:t>Latent variables</a:t>
+              </a:r>
+            </a:p>
+          </p:txBody>
+        </p:sp>
+      </p:grpSp>
+      <p:sp>
+        <p:nvSpPr>
+          <p:cNvPr id="30" name="TextBox 29">
+            <a:extLst>
+              <a:ext uri="{FF2B5EF4-FFF2-40B4-BE49-F238E27FC236}">
+                <a16:creationId xmlns:a16="http://schemas.microsoft.com/office/drawing/2014/main" id="{393BF9FB-696A-4920-A99F-391E8F109EF9}"/>
+              </a:ext>
+            </a:extLst>
+          </p:cNvPr>
+          <p:cNvSpPr txBox="1"/>
+          <p:nvPr/>
+        </p:nvSpPr>
+        <p:spPr>
+          <a:xfrm>
+            <a:off x="-451019" y="1488062"/>
+            <a:ext cx="3057560" cy="369332"/>
+          </a:xfrm>
+          <a:prstGeom prst="rect">
+            <a:avLst/>
+          </a:prstGeom>
+          <a:noFill/>
+        </p:spPr>
+        <p:txBody>
+          <a:bodyPr wrap="square" rtlCol="0">
+            <a:spAutoFit/>
+          </a:bodyPr>
+          <a:lstStyle/>
+          <a:p>
+            <a:pPr lvl="2"/>
+            <a:r>
+              <a:rPr lang="en-US" dirty="0"/>
+              <a:t>	</a:t>
+            </a:r>
+          </a:p>
+        </p:txBody>
+      </p:sp>
+      <p:grpSp>
+        <p:nvGrpSpPr>
+          <p:cNvPr id="40" name="Group 39">
+            <a:extLst>
+              <a:ext uri="{FF2B5EF4-FFF2-40B4-BE49-F238E27FC236}">
+                <a16:creationId xmlns:a16="http://schemas.microsoft.com/office/drawing/2014/main" id="{A1BB51CC-6A27-40A0-BDC6-675C9221CD2D}"/>
+              </a:ext>
+            </a:extLst>
+          </p:cNvPr>
+          <p:cNvGrpSpPr/>
+          <p:nvPr/>
+        </p:nvGrpSpPr>
+        <p:grpSpPr>
+          <a:xfrm>
+            <a:off x="938128" y="1588799"/>
+            <a:ext cx="5006449" cy="3685585"/>
+            <a:chOff x="771776" y="1588799"/>
+            <a:chExt cx="5006449" cy="3685585"/>
+          </a:xfrm>
+        </p:grpSpPr>
+        <p:grpSp>
+          <p:nvGrpSpPr>
+            <p:cNvPr id="24" name="Group 23">
+              <a:extLst>
+                <a:ext uri="{FF2B5EF4-FFF2-40B4-BE49-F238E27FC236}">
+                  <a16:creationId xmlns:a16="http://schemas.microsoft.com/office/drawing/2014/main" id="{D0A1A41E-3781-44B3-B718-3B8592558AB8}"/>
+                </a:ext>
+              </a:extLst>
+            </p:cNvPr>
+            <p:cNvGrpSpPr>
+              <a:grpSpLocks noChangeAspect="1"/>
+            </p:cNvGrpSpPr>
+            <p:nvPr/>
+          </p:nvGrpSpPr>
+          <p:grpSpPr>
+            <a:xfrm>
+              <a:off x="771776" y="2017146"/>
+              <a:ext cx="5006449" cy="3257238"/>
+              <a:chOff x="-457843" y="1878767"/>
+              <a:chExt cx="3071210" cy="1998152"/>
+            </a:xfrm>
+          </p:grpSpPr>
+          <p:pic>
+            <p:nvPicPr>
+              <p:cNvPr id="31" name="Picture 2">
+                <a:extLst>
+                  <a:ext uri="{FF2B5EF4-FFF2-40B4-BE49-F238E27FC236}">
+                    <a16:creationId xmlns:a16="http://schemas.microsoft.com/office/drawing/2014/main" id="{F0F2577F-0525-4B4B-B6E9-777D4516C902}"/>
+                  </a:ext>
+                </a:extLst>
+              </p:cNvPr>
+              <p:cNvPicPr>
+                <a:picLocks noChangeAspect="1" noChangeArrowheads="1"/>
+              </p:cNvPicPr>
+              <p:nvPr/>
+            </p:nvPicPr>
+            <p:blipFill>
+              <a:blip r:embed="rId8">
+                <a:extLst>
+                  <a:ext uri="{28A0092B-C50C-407E-A947-70E740481C1C}">
+                    <a14:useLocalDpi xmlns:a14="http://schemas.microsoft.com/office/drawing/2010/main" val="0"/>
+                  </a:ext>
+                </a:extLst>
+              </a:blip>
+              <a:srcRect/>
+              <a:stretch>
+                <a:fillRect/>
+              </a:stretch>
+            </p:blipFill>
+            <p:spPr bwMode="auto">
+              <a:xfrm>
+                <a:off x="-451015" y="1878767"/>
+                <a:ext cx="981347" cy="986042"/>
+              </a:xfrm>
+              <a:prstGeom prst="rect">
+                <a:avLst/>
+              </a:prstGeom>
+              <a:noFill/>
+              <a:extLst>
+                <a:ext uri="{909E8E84-426E-40DD-AFC4-6F175D3DCCD1}">
+                  <a14:hiddenFill xmlns:a14="http://schemas.microsoft.com/office/drawing/2010/main">
+                    <a:solidFill>
+                      <a:srgbClr val="FFFFFF"/>
+                    </a:solidFill>
+                  </a14:hiddenFill>
+                </a:ext>
+              </a:extLst>
+            </p:spPr>
+          </p:pic>
+          <p:pic>
+            <p:nvPicPr>
+              <p:cNvPr id="32" name="Picture 4">
+                <a:extLst>
+                  <a:ext uri="{FF2B5EF4-FFF2-40B4-BE49-F238E27FC236}">
+                    <a16:creationId xmlns:a16="http://schemas.microsoft.com/office/drawing/2014/main" id="{71CE29F0-1824-40B4-8E20-5E64152F1929}"/>
+                  </a:ext>
+                </a:extLst>
+              </p:cNvPr>
+              <p:cNvPicPr>
+                <a:picLocks noChangeAspect="1" noChangeArrowheads="1"/>
+              </p:cNvPicPr>
+              <p:nvPr/>
+            </p:nvPicPr>
+            <p:blipFill>
+              <a:blip r:embed="rId9">
+                <a:extLst>
+                  <a:ext uri="{28A0092B-C50C-407E-A947-70E740481C1C}">
+                    <a14:useLocalDpi xmlns:a14="http://schemas.microsoft.com/office/drawing/2010/main" val="0"/>
+                  </a:ext>
+                </a:extLst>
+              </a:blip>
+              <a:srcRect/>
+              <a:stretch>
+                <a:fillRect/>
+              </a:stretch>
+            </p:blipFill>
+            <p:spPr bwMode="auto">
+              <a:xfrm>
+                <a:off x="590503" y="1878767"/>
+                <a:ext cx="981346" cy="990737"/>
+              </a:xfrm>
+              <a:prstGeom prst="rect">
+                <a:avLst/>
+              </a:prstGeom>
+              <a:noFill/>
+              <a:extLst>
+                <a:ext uri="{909E8E84-426E-40DD-AFC4-6F175D3DCCD1}">
+                  <a14:hiddenFill xmlns:a14="http://schemas.microsoft.com/office/drawing/2010/main">
+                    <a:solidFill>
+                      <a:srgbClr val="FFFFFF"/>
+                    </a:solidFill>
+                  </a14:hiddenFill>
+                </a:ext>
+              </a:extLst>
+            </p:spPr>
+          </p:pic>
+          <p:pic>
+            <p:nvPicPr>
+              <p:cNvPr id="33" name="Picture 6">
+                <a:extLst>
+                  <a:ext uri="{FF2B5EF4-FFF2-40B4-BE49-F238E27FC236}">
+                    <a16:creationId xmlns:a16="http://schemas.microsoft.com/office/drawing/2014/main" id="{E3725522-B77F-4C2A-92FB-6E52E50B82F5}"/>
+                  </a:ext>
+                </a:extLst>
+              </p:cNvPr>
+              <p:cNvPicPr>
+                <a:picLocks noChangeAspect="1" noChangeArrowheads="1"/>
+              </p:cNvPicPr>
+              <p:nvPr/>
+            </p:nvPicPr>
+            <p:blipFill>
+              <a:blip r:embed="rId10">
+                <a:extLst>
+                  <a:ext uri="{28A0092B-C50C-407E-A947-70E740481C1C}">
+                    <a14:useLocalDpi xmlns:a14="http://schemas.microsoft.com/office/drawing/2010/main" val="0"/>
+                  </a:ext>
+                </a:extLst>
+              </a:blip>
+              <a:srcRect/>
+              <a:stretch>
+                <a:fillRect/>
+              </a:stretch>
+            </p:blipFill>
+            <p:spPr bwMode="auto">
+              <a:xfrm>
+                <a:off x="1632021" y="1878767"/>
+                <a:ext cx="981346" cy="990737"/>
+              </a:xfrm>
+              <a:prstGeom prst="rect">
+                <a:avLst/>
+              </a:prstGeom>
+              <a:noFill/>
+              <a:extLst>
+                <a:ext uri="{909E8E84-426E-40DD-AFC4-6F175D3DCCD1}">
+                  <a14:hiddenFill xmlns:a14="http://schemas.microsoft.com/office/drawing/2010/main">
+                    <a:solidFill>
+                      <a:srgbClr val="FFFFFF"/>
+                    </a:solidFill>
+                  </a14:hiddenFill>
+                </a:ext>
+              </a:extLst>
+            </p:spPr>
+          </p:pic>
+          <p:pic>
+            <p:nvPicPr>
+              <p:cNvPr id="34" name="Picture 8">
+                <a:extLst>
+                  <a:ext uri="{FF2B5EF4-FFF2-40B4-BE49-F238E27FC236}">
+                    <a16:creationId xmlns:a16="http://schemas.microsoft.com/office/drawing/2014/main" id="{3AD9CB97-E4B8-46F3-8C32-B17CD9B7BE88}"/>
+                  </a:ext>
+                </a:extLst>
+              </p:cNvPr>
+              <p:cNvPicPr>
+                <a:picLocks noChangeAspect="1" noChangeArrowheads="1"/>
+              </p:cNvPicPr>
+              <p:nvPr/>
+            </p:nvPicPr>
+            <p:blipFill>
+              <a:blip r:embed="rId11">
+                <a:extLst>
+                  <a:ext uri="{28A0092B-C50C-407E-A947-70E740481C1C}">
+                    <a14:useLocalDpi xmlns:a14="http://schemas.microsoft.com/office/drawing/2010/main" val="0"/>
+                  </a:ext>
+                </a:extLst>
+              </a:blip>
+              <a:srcRect/>
+              <a:stretch>
+                <a:fillRect/>
+              </a:stretch>
+            </p:blipFill>
+            <p:spPr bwMode="auto">
+              <a:xfrm>
+                <a:off x="-457843" y="2886182"/>
+                <a:ext cx="981347" cy="986042"/>
+              </a:xfrm>
+              <a:prstGeom prst="rect">
+                <a:avLst/>
+              </a:prstGeom>
+              <a:noFill/>
+              <a:extLst>
+                <a:ext uri="{909E8E84-426E-40DD-AFC4-6F175D3DCCD1}">
+                  <a14:hiddenFill xmlns:a14="http://schemas.microsoft.com/office/drawing/2010/main">
+                    <a:solidFill>
+                      <a:srgbClr val="FFFFFF"/>
+                    </a:solidFill>
+                  </a14:hiddenFill>
+                </a:ext>
+              </a:extLst>
+            </p:spPr>
+          </p:pic>
+          <p:pic>
+            <p:nvPicPr>
+              <p:cNvPr id="35" name="Picture 10">
+                <a:extLst>
+                  <a:ext uri="{FF2B5EF4-FFF2-40B4-BE49-F238E27FC236}">
+                    <a16:creationId xmlns:a16="http://schemas.microsoft.com/office/drawing/2014/main" id="{E0AB8CB7-2733-4A8C-9C9C-E022AF82B113}"/>
+                  </a:ext>
+                </a:extLst>
+              </p:cNvPr>
+              <p:cNvPicPr>
+                <a:picLocks noChangeAspect="1" noChangeArrowheads="1"/>
+              </p:cNvPicPr>
+              <p:nvPr/>
+            </p:nvPicPr>
+            <p:blipFill>
+              <a:blip r:embed="rId12">
+                <a:extLst>
+                  <a:ext uri="{28A0092B-C50C-407E-A947-70E740481C1C}">
+                    <a14:useLocalDpi xmlns:a14="http://schemas.microsoft.com/office/drawing/2010/main" val="0"/>
+                  </a:ext>
+                </a:extLst>
+              </a:blip>
+              <a:srcRect/>
+              <a:stretch>
+                <a:fillRect/>
+              </a:stretch>
+            </p:blipFill>
+            <p:spPr bwMode="auto">
+              <a:xfrm>
+                <a:off x="583676" y="2886182"/>
+                <a:ext cx="981347" cy="986042"/>
+              </a:xfrm>
+              <a:prstGeom prst="rect">
+                <a:avLst/>
+              </a:prstGeom>
+              <a:noFill/>
+              <a:extLst>
+                <a:ext uri="{909E8E84-426E-40DD-AFC4-6F175D3DCCD1}">
+                  <a14:hiddenFill xmlns:a14="http://schemas.microsoft.com/office/drawing/2010/main">
+                    <a:solidFill>
+                      <a:srgbClr val="FFFFFF"/>
+                    </a:solidFill>
+                  </a14:hiddenFill>
+                </a:ext>
+              </a:extLst>
+            </p:spPr>
+          </p:pic>
+          <p:pic>
+            <p:nvPicPr>
+              <p:cNvPr id="36" name="Picture 12">
+                <a:extLst>
+                  <a:ext uri="{FF2B5EF4-FFF2-40B4-BE49-F238E27FC236}">
+                    <a16:creationId xmlns:a16="http://schemas.microsoft.com/office/drawing/2014/main" id="{CB7BEEF9-7722-41BC-9F65-5909E9C74E64}"/>
+                  </a:ext>
+                </a:extLst>
+              </p:cNvPr>
+              <p:cNvPicPr>
+                <a:picLocks noChangeAspect="1" noChangeArrowheads="1"/>
+              </p:cNvPicPr>
+              <p:nvPr/>
+            </p:nvPicPr>
+            <p:blipFill>
+              <a:blip r:embed="rId13">
+                <a:extLst>
+                  <a:ext uri="{28A0092B-C50C-407E-A947-70E740481C1C}">
+                    <a14:useLocalDpi xmlns:a14="http://schemas.microsoft.com/office/drawing/2010/main" val="0"/>
+                  </a:ext>
+                </a:extLst>
+              </a:blip>
+              <a:srcRect/>
+              <a:stretch>
+                <a:fillRect/>
+              </a:stretch>
+            </p:blipFill>
+            <p:spPr bwMode="auto">
+              <a:xfrm>
+                <a:off x="1625194" y="2886182"/>
+                <a:ext cx="981346" cy="990737"/>
+              </a:xfrm>
+              <a:prstGeom prst="rect">
+                <a:avLst/>
+              </a:prstGeom>
+              <a:noFill/>
+              <a:extLst>
+                <a:ext uri="{909E8E84-426E-40DD-AFC4-6F175D3DCCD1}">
+                  <a14:hiddenFill xmlns:a14="http://schemas.microsoft.com/office/drawing/2010/main">
+                    <a:solidFill>
+                      <a:srgbClr val="FFFFFF"/>
+                    </a:solidFill>
+                  </a14:hiddenFill>
+                </a:ext>
+              </a:extLst>
+            </p:spPr>
+          </p:pic>
+        </p:grpSp>
+        <p:sp>
+          <p:nvSpPr>
+            <p:cNvPr id="39" name="TextBox 38">
+              <a:extLst>
+                <a:ext uri="{FF2B5EF4-FFF2-40B4-BE49-F238E27FC236}">
+                  <a16:creationId xmlns:a16="http://schemas.microsoft.com/office/drawing/2014/main" id="{0B186362-917E-4FED-83CB-A508C6B56124}"/>
+                </a:ext>
+              </a:extLst>
+            </p:cNvPr>
+            <p:cNvSpPr txBox="1"/>
+            <p:nvPr/>
+          </p:nvSpPr>
+          <p:spPr>
+            <a:xfrm>
+              <a:off x="778608" y="1588799"/>
+              <a:ext cx="4988487" cy="369332"/>
+            </a:xfrm>
+            <a:prstGeom prst="rect">
+              <a:avLst/>
+            </a:prstGeom>
+            <a:noFill/>
+          </p:spPr>
+          <p:txBody>
+            <a:bodyPr wrap="square">
+              <a:spAutoFit/>
+            </a:bodyPr>
+            <a:lstStyle/>
+            <a:p>
+              <a:pPr algn="ctr"/>
+              <a:r>
+                <a:rPr lang="en-US" dirty="0"/>
+                <a:t>Input (Well properties)</a:t>
+              </a:r>
+            </a:p>
+          </p:txBody>
+        </p:sp>
+      </p:grpSp>
+    </p:spTree>
+    <p:extLst>
+      <p:ext uri="{BB962C8B-B14F-4D97-AF65-F5344CB8AC3E}">
+        <p14:creationId xmlns:p14="http://schemas.microsoft.com/office/powerpoint/2010/main" val="3095534290"/>
+      </p:ext>
+    </p:extLst>
+  </p:cSld>
+  <p:clrMapOvr>
+    <a:masterClrMapping/>
+  </p:clrMapOvr>
+</p:sld>
+</file>
+
+<file path=ppt/slides/slide19.xml><?xml version="1.0" encoding="utf-8"?>
+<p:sld xmlns:a="http://schemas.openxmlformats.org/drawingml/2006/main" xmlns:r="http://schemas.openxmlformats.org/officeDocument/2006/relationships" xmlns:p="http://schemas.openxmlformats.org/presentationml/2006/main">
+  <p:cSld>
+    <p:spTree>
+      <p:nvGrpSpPr>
+        <p:cNvPr id="1" name=""/>
+        <p:cNvGrpSpPr/>
+        <p:nvPr/>
+      </p:nvGrpSpPr>
+      <p:grpSpPr>
+        <a:xfrm>
+          <a:off x="0" y="0"/>
+          <a:ext cx="0" cy="0"/>
+          <a:chOff x="0" y="0"/>
+          <a:chExt cx="0" cy="0"/>
+        </a:xfrm>
+      </p:grpSpPr>
+      <p:sp>
+        <p:nvSpPr>
+          <p:cNvPr id="3" name="TextBox 2">
+            <a:extLst>
+              <a:ext uri="{FF2B5EF4-FFF2-40B4-BE49-F238E27FC236}">
+                <a16:creationId xmlns:a16="http://schemas.microsoft.com/office/drawing/2014/main" id="{F338F700-9A50-4F1D-8971-7A8DFB5AE3AD}"/>
+              </a:ext>
+            </a:extLst>
+          </p:cNvPr>
+          <p:cNvSpPr txBox="1"/>
+          <p:nvPr/>
+        </p:nvSpPr>
+        <p:spPr>
+          <a:xfrm>
+            <a:off x="0" y="-45265"/>
+            <a:ext cx="10164932" cy="646331"/>
+          </a:xfrm>
+          <a:prstGeom prst="rect">
+            <a:avLst/>
+          </a:prstGeom>
+          <a:noFill/>
+        </p:spPr>
+        <p:txBody>
+          <a:bodyPr wrap="square" rtlCol="0">
+            <a:spAutoFit/>
+          </a:bodyPr>
+          <a:lstStyle/>
+          <a:p>
+            <a:r>
+              <a:rPr lang="en-US" sz="3600" dirty="0">
+                <a:solidFill>
+                  <a:srgbClr val="990000"/>
+                </a:solidFill>
+                <a:latin typeface="Arial" panose="020B0604020202020204" pitchFamily="34" charset="0"/>
+                <a:cs typeface="Arial" panose="020B0604020202020204" pitchFamily="34" charset="0"/>
+              </a:rPr>
+              <a:t>Experiment I</a:t>
+            </a:r>
+          </a:p>
+        </p:txBody>
+      </p:sp>
+      <p:grpSp>
+        <p:nvGrpSpPr>
+          <p:cNvPr id="5" name="Group 4">
+            <a:extLst>
+              <a:ext uri="{FF2B5EF4-FFF2-40B4-BE49-F238E27FC236}">
+                <a16:creationId xmlns:a16="http://schemas.microsoft.com/office/drawing/2014/main" id="{2905E85D-63EB-441D-8BCD-276C6857D5D2}"/>
+              </a:ext>
+            </a:extLst>
+          </p:cNvPr>
+          <p:cNvGrpSpPr/>
+          <p:nvPr/>
+        </p:nvGrpSpPr>
+        <p:grpSpPr>
+          <a:xfrm>
+            <a:off x="822243" y="1028793"/>
+            <a:ext cx="4519511" cy="2601167"/>
+            <a:chOff x="562955" y="1818705"/>
+            <a:chExt cx="4519511" cy="2601167"/>
+          </a:xfrm>
+        </p:grpSpPr>
+        <p:sp>
+          <p:nvSpPr>
+            <p:cNvPr id="4" name="TextBox 3">
+              <a:extLst>
+                <a:ext uri="{FF2B5EF4-FFF2-40B4-BE49-F238E27FC236}">
+                  <a16:creationId xmlns:a16="http://schemas.microsoft.com/office/drawing/2014/main" id="{167D6233-9719-459E-81D2-E83525FF530E}"/>
+                </a:ext>
+              </a:extLst>
+            </p:cNvPr>
+            <p:cNvSpPr txBox="1"/>
+            <p:nvPr/>
+          </p:nvSpPr>
+          <p:spPr>
+            <a:xfrm>
+              <a:off x="872600" y="1818705"/>
+              <a:ext cx="4106961" cy="369332"/>
+            </a:xfrm>
+            <a:prstGeom prst="rect">
+              <a:avLst/>
+            </a:prstGeom>
+            <a:noFill/>
+          </p:spPr>
+          <p:txBody>
+            <a:bodyPr wrap="square">
+              <a:spAutoFit/>
+            </a:bodyPr>
+            <a:lstStyle/>
+            <a:p>
+              <a:pPr algn="ctr"/>
+              <a:r>
+                <a:rPr lang="en-US" dirty="0"/>
+                <a:t>Latent var. prediction performance</a:t>
+              </a:r>
+            </a:p>
+          </p:txBody>
+        </p:sp>
+        <p:grpSp>
+          <p:nvGrpSpPr>
+            <p:cNvPr id="2" name="Group 1">
+              <a:extLst>
+                <a:ext uri="{FF2B5EF4-FFF2-40B4-BE49-F238E27FC236}">
+                  <a16:creationId xmlns:a16="http://schemas.microsoft.com/office/drawing/2014/main" id="{71E88EBF-0132-471E-8744-D7C4E905EB0C}"/>
+                </a:ext>
+              </a:extLst>
+            </p:cNvPr>
+            <p:cNvGrpSpPr/>
+            <p:nvPr/>
+          </p:nvGrpSpPr>
+          <p:grpSpPr>
+            <a:xfrm>
+              <a:off x="562955" y="2229122"/>
+              <a:ext cx="4519511" cy="2190750"/>
+              <a:chOff x="562955" y="2229122"/>
+              <a:chExt cx="4519511" cy="2190750"/>
+            </a:xfrm>
+          </p:grpSpPr>
+          <p:pic>
+            <p:nvPicPr>
+              <p:cNvPr id="3074" name="Picture 2">
+                <a:extLst>
+                  <a:ext uri="{FF2B5EF4-FFF2-40B4-BE49-F238E27FC236}">
+                    <a16:creationId xmlns:a16="http://schemas.microsoft.com/office/drawing/2014/main" id="{9B24BB2D-A517-4B8D-9622-2D5BC2F22A2E}"/>
+                  </a:ext>
+                </a:extLst>
+              </p:cNvPr>
+              <p:cNvPicPr>
+                <a:picLocks noChangeAspect="1" noChangeArrowheads="1"/>
+              </p:cNvPicPr>
+              <p:nvPr/>
+            </p:nvPicPr>
+            <p:blipFill>
+              <a:blip r:embed="rId3">
+                <a:extLst>
+                  <a:ext uri="{28A0092B-C50C-407E-A947-70E740481C1C}">
+                    <a14:useLocalDpi xmlns:a14="http://schemas.microsoft.com/office/drawing/2010/main" val="0"/>
+                  </a:ext>
+                </a:extLst>
+              </a:blip>
+              <a:srcRect/>
+              <a:stretch>
+                <a:fillRect/>
+              </a:stretch>
+            </p:blipFill>
+            <p:spPr bwMode="auto">
+              <a:xfrm>
+                <a:off x="562955" y="2229122"/>
+                <a:ext cx="2266950" cy="2190750"/>
+              </a:xfrm>
+              <a:prstGeom prst="rect">
+                <a:avLst/>
+              </a:prstGeom>
+              <a:noFill/>
+              <a:extLst>
+                <a:ext uri="{909E8E84-426E-40DD-AFC4-6F175D3DCCD1}">
+                  <a14:hiddenFill xmlns:a14="http://schemas.microsoft.com/office/drawing/2010/main">
+                    <a:solidFill>
+                      <a:srgbClr val="FFFFFF"/>
+                    </a:solidFill>
+                  </a14:hiddenFill>
+                </a:ext>
+              </a:extLst>
+            </p:spPr>
+          </p:pic>
+          <p:pic>
+            <p:nvPicPr>
+              <p:cNvPr id="3076" name="Picture 4">
+                <a:extLst>
+                  <a:ext uri="{FF2B5EF4-FFF2-40B4-BE49-F238E27FC236}">
+                    <a16:creationId xmlns:a16="http://schemas.microsoft.com/office/drawing/2014/main" id="{192DB88D-8457-4A0C-B738-B20FFF0C2DC9}"/>
+                  </a:ext>
+                </a:extLst>
+              </p:cNvPr>
+              <p:cNvPicPr>
+                <a:picLocks noChangeAspect="1" noChangeArrowheads="1"/>
+              </p:cNvPicPr>
+              <p:nvPr/>
+            </p:nvPicPr>
+            <p:blipFill>
+              <a:blip r:embed="rId4">
+                <a:extLst>
+                  <a:ext uri="{28A0092B-C50C-407E-A947-70E740481C1C}">
+                    <a14:useLocalDpi xmlns:a14="http://schemas.microsoft.com/office/drawing/2010/main" val="0"/>
+                  </a:ext>
+                </a:extLst>
+              </a:blip>
+              <a:srcRect/>
+              <a:stretch>
+                <a:fillRect/>
+              </a:stretch>
+            </p:blipFill>
+            <p:spPr bwMode="auto">
+              <a:xfrm>
+                <a:off x="2815516" y="2229122"/>
+                <a:ext cx="2266950" cy="2190750"/>
+              </a:xfrm>
+              <a:prstGeom prst="rect">
+                <a:avLst/>
+              </a:prstGeom>
+              <a:noFill/>
+              <a:extLst>
+                <a:ext uri="{909E8E84-426E-40DD-AFC4-6F175D3DCCD1}">
+                  <a14:hiddenFill xmlns:a14="http://schemas.microsoft.com/office/drawing/2010/main">
+                    <a:solidFill>
+                      <a:srgbClr val="FFFFFF"/>
+                    </a:solidFill>
+                  </a14:hiddenFill>
+                </a:ext>
+              </a:extLst>
+            </p:spPr>
+          </p:pic>
+        </p:grpSp>
+      </p:grpSp>
+      <p:grpSp>
+        <p:nvGrpSpPr>
+          <p:cNvPr id="6" name="Group 5">
+            <a:extLst>
+              <a:ext uri="{FF2B5EF4-FFF2-40B4-BE49-F238E27FC236}">
+                <a16:creationId xmlns:a16="http://schemas.microsoft.com/office/drawing/2014/main" id="{041AACDB-FE05-4D75-A1AD-305A7810A7D9}"/>
+              </a:ext>
+            </a:extLst>
+          </p:cNvPr>
+          <p:cNvGrpSpPr/>
+          <p:nvPr/>
+        </p:nvGrpSpPr>
+        <p:grpSpPr>
+          <a:xfrm>
+            <a:off x="6329552" y="812777"/>
+            <a:ext cx="4752975" cy="2925723"/>
+            <a:chOff x="6389561" y="802326"/>
+            <a:chExt cx="4752975" cy="2925723"/>
+          </a:xfrm>
+        </p:grpSpPr>
+        <p:pic>
+          <p:nvPicPr>
+            <p:cNvPr id="3078" name="Picture 6">
+              <a:extLst>
+                <a:ext uri="{FF2B5EF4-FFF2-40B4-BE49-F238E27FC236}">
+                  <a16:creationId xmlns:a16="http://schemas.microsoft.com/office/drawing/2014/main" id="{16283A93-C730-43F5-95DB-C89694BF3025}"/>
+                </a:ext>
+              </a:extLst>
+            </p:cNvPr>
+            <p:cNvPicPr>
+              <a:picLocks noChangeAspect="1" noChangeArrowheads="1"/>
+            </p:cNvPicPr>
+            <p:nvPr/>
+          </p:nvPicPr>
+          <p:blipFill>
+            <a:blip r:embed="rId5">
+              <a:extLst>
+                <a:ext uri="{28A0092B-C50C-407E-A947-70E740481C1C}">
+                  <a14:useLocalDpi xmlns:a14="http://schemas.microsoft.com/office/drawing/2010/main" val="0"/>
+                </a:ext>
+              </a:extLst>
+            </a:blip>
+            <a:srcRect/>
+            <a:stretch>
+              <a:fillRect/>
+            </a:stretch>
+          </p:blipFill>
+          <p:spPr bwMode="auto">
+            <a:xfrm>
+              <a:off x="6389561" y="1203924"/>
+              <a:ext cx="4752975" cy="2524125"/>
+            </a:xfrm>
+            <a:prstGeom prst="rect">
+              <a:avLst/>
+            </a:prstGeom>
+            <a:noFill/>
+            <a:extLst>
+              <a:ext uri="{909E8E84-426E-40DD-AFC4-6F175D3DCCD1}">
+                <a14:hiddenFill xmlns:a14="http://schemas.microsoft.com/office/drawing/2010/main">
+                  <a:solidFill>
+                    <a:srgbClr val="FFFFFF"/>
+                  </a:solidFill>
+                </a14:hiddenFill>
+              </a:ext>
+            </a:extLst>
+          </p:spPr>
+        </p:pic>
+        <p:sp>
+          <p:nvSpPr>
+            <p:cNvPr id="9" name="TextBox 8">
+              <a:extLst>
+                <a:ext uri="{FF2B5EF4-FFF2-40B4-BE49-F238E27FC236}">
+                  <a16:creationId xmlns:a16="http://schemas.microsoft.com/office/drawing/2014/main" id="{006E5FF9-3B45-4090-8AA3-CC07B687A51A}"/>
+                </a:ext>
+              </a:extLst>
+            </p:cNvPr>
+            <p:cNvSpPr txBox="1"/>
+            <p:nvPr/>
+          </p:nvSpPr>
+          <p:spPr>
+            <a:xfrm>
+              <a:off x="6766560" y="802326"/>
+              <a:ext cx="4315967" cy="369332"/>
+            </a:xfrm>
+            <a:prstGeom prst="rect">
+              <a:avLst/>
+            </a:prstGeom>
+            <a:noFill/>
+          </p:spPr>
+          <p:txBody>
+            <a:bodyPr wrap="square">
+              <a:spAutoFit/>
+            </a:bodyPr>
+            <a:lstStyle/>
+            <a:p>
+              <a:pPr algn="ctr"/>
+              <a:r>
+                <a:rPr lang="en-US" dirty="0"/>
+                <a:t>Feature importance</a:t>
+              </a:r>
+            </a:p>
+          </p:txBody>
+        </p:sp>
+      </p:grpSp>
+      <p:grpSp>
+        <p:nvGrpSpPr>
+          <p:cNvPr id="7" name="Group 6">
+            <a:extLst>
+              <a:ext uri="{FF2B5EF4-FFF2-40B4-BE49-F238E27FC236}">
+                <a16:creationId xmlns:a16="http://schemas.microsoft.com/office/drawing/2014/main" id="{D2A9BF13-C85D-4724-A617-E1E66B225A72}"/>
+              </a:ext>
+            </a:extLst>
+          </p:cNvPr>
+          <p:cNvGrpSpPr/>
+          <p:nvPr/>
+        </p:nvGrpSpPr>
+        <p:grpSpPr>
+          <a:xfrm>
+            <a:off x="2835347" y="3942327"/>
+            <a:ext cx="6521305" cy="2413200"/>
+            <a:chOff x="3521745" y="4114758"/>
+            <a:chExt cx="6521305" cy="2413200"/>
+          </a:xfrm>
+        </p:grpSpPr>
+        <p:sp>
+          <p:nvSpPr>
+            <p:cNvPr id="11" name="TextBox 10">
+              <a:extLst>
+                <a:ext uri="{FF2B5EF4-FFF2-40B4-BE49-F238E27FC236}">
+                  <a16:creationId xmlns:a16="http://schemas.microsoft.com/office/drawing/2014/main" id="{85D5EA13-E0D1-4BC7-8CE2-25DEFF2FEE66}"/>
+                </a:ext>
+              </a:extLst>
+            </p:cNvPr>
+            <p:cNvSpPr txBox="1"/>
+            <p:nvPr/>
+          </p:nvSpPr>
+          <p:spPr>
+            <a:xfrm>
+              <a:off x="3668050" y="4114758"/>
+              <a:ext cx="6317198" cy="369332"/>
+            </a:xfrm>
+            <a:prstGeom prst="rect">
+              <a:avLst/>
+            </a:prstGeom>
+            <a:noFill/>
+          </p:spPr>
+          <p:txBody>
+            <a:bodyPr wrap="square">
+              <a:spAutoFit/>
+            </a:bodyPr>
+            <a:lstStyle/>
+            <a:p>
+              <a:pPr algn="ctr"/>
+              <a:r>
+                <a:rPr lang="en-US" dirty="0"/>
+                <a:t>Sample test predicted profiles</a:t>
+              </a:r>
+            </a:p>
+          </p:txBody>
+        </p:sp>
+        <p:pic>
+          <p:nvPicPr>
+            <p:cNvPr id="3080" name="Picture 8">
+              <a:extLst>
+                <a:ext uri="{FF2B5EF4-FFF2-40B4-BE49-F238E27FC236}">
+                  <a16:creationId xmlns:a16="http://schemas.microsoft.com/office/drawing/2014/main" id="{513D4DC0-C4B1-4912-A564-E737027F6C3D}"/>
+                </a:ext>
+              </a:extLst>
+            </p:cNvPr>
+            <p:cNvPicPr>
+              <a:picLocks noChangeAspect="1" noChangeArrowheads="1"/>
+            </p:cNvPicPr>
+            <p:nvPr/>
+          </p:nvPicPr>
+          <p:blipFill>
+            <a:blip r:embed="rId6">
+              <a:extLst>
+                <a:ext uri="{28A0092B-C50C-407E-A947-70E740481C1C}">
+                  <a14:useLocalDpi xmlns:a14="http://schemas.microsoft.com/office/drawing/2010/main" val="0"/>
+                </a:ext>
+              </a:extLst>
+            </a:blip>
+            <a:srcRect/>
+            <a:stretch>
+              <a:fillRect/>
+            </a:stretch>
+          </p:blipFill>
+          <p:spPr bwMode="auto">
+            <a:xfrm>
+              <a:off x="3521745" y="4499991"/>
+              <a:ext cx="6521305" cy="2027967"/>
+            </a:xfrm>
+            <a:prstGeom prst="rect">
+              <a:avLst/>
+            </a:prstGeom>
+            <a:noFill/>
+            <a:extLst>
+              <a:ext uri="{909E8E84-426E-40DD-AFC4-6F175D3DCCD1}">
+                <a14:hiddenFill xmlns:a14="http://schemas.microsoft.com/office/drawing/2010/main">
+                  <a:solidFill>
+                    <a:srgbClr val="FFFFFF"/>
+                  </a:solidFill>
+                </a14:hiddenFill>
+              </a:ext>
+            </a:extLst>
+          </p:spPr>
+        </p:pic>
+      </p:grpSp>
+    </p:spTree>
+    <p:extLst>
+      <p:ext uri="{BB962C8B-B14F-4D97-AF65-F5344CB8AC3E}">
+        <p14:creationId xmlns:p14="http://schemas.microsoft.com/office/powerpoint/2010/main" val="642568603"/>
       </p:ext>
     </p:extLst>
   </p:cSld>
@@ -9969,6 +12901,530 @@
     <p:extLst>
       <p:ext uri="{BB962C8B-B14F-4D97-AF65-F5344CB8AC3E}">
         <p14:creationId xmlns:p14="http://schemas.microsoft.com/office/powerpoint/2010/main" val="694606623"/>
+      </p:ext>
+    </p:extLst>
+  </p:cSld>
+  <p:clrMapOvr>
+    <a:masterClrMapping/>
+  </p:clrMapOvr>
+</p:sld>
+</file>
+
+<file path=ppt/slides/slide20.xml><?xml version="1.0" encoding="utf-8"?>
+<p:sld xmlns:a="http://schemas.openxmlformats.org/drawingml/2006/main" xmlns:r="http://schemas.openxmlformats.org/officeDocument/2006/relationships" xmlns:p="http://schemas.openxmlformats.org/presentationml/2006/main">
+  <p:cSld>
+    <p:spTree>
+      <p:nvGrpSpPr>
+        <p:cNvPr id="1" name=""/>
+        <p:cNvGrpSpPr/>
+        <p:nvPr/>
+      </p:nvGrpSpPr>
+      <p:grpSpPr>
+        <a:xfrm>
+          <a:off x="0" y="0"/>
+          <a:ext cx="0" cy="0"/>
+          <a:chOff x="0" y="0"/>
+          <a:chExt cx="0" cy="0"/>
+        </a:xfrm>
+      </p:grpSpPr>
+      <p:sp>
+        <p:nvSpPr>
+          <p:cNvPr id="3" name="TextBox 2">
+            <a:extLst>
+              <a:ext uri="{FF2B5EF4-FFF2-40B4-BE49-F238E27FC236}">
+                <a16:creationId xmlns:a16="http://schemas.microsoft.com/office/drawing/2014/main" id="{F338F700-9A50-4F1D-8971-7A8DFB5AE3AD}"/>
+              </a:ext>
+            </a:extLst>
+          </p:cNvPr>
+          <p:cNvSpPr txBox="1"/>
+          <p:nvPr/>
+        </p:nvSpPr>
+        <p:spPr>
+          <a:xfrm>
+            <a:off x="0" y="-45265"/>
+            <a:ext cx="10164932" cy="646331"/>
+          </a:xfrm>
+          <a:prstGeom prst="rect">
+            <a:avLst/>
+          </a:prstGeom>
+          <a:noFill/>
+        </p:spPr>
+        <p:txBody>
+          <a:bodyPr wrap="square" rtlCol="0">
+            <a:spAutoFit/>
+          </a:bodyPr>
+          <a:lstStyle/>
+          <a:p>
+            <a:r>
+              <a:rPr lang="en-US" sz="3600" dirty="0">
+                <a:solidFill>
+                  <a:srgbClr val="990000"/>
+                </a:solidFill>
+                <a:latin typeface="Arial" panose="020B0604020202020204" pitchFamily="34" charset="0"/>
+                <a:cs typeface="Arial" panose="020B0604020202020204" pitchFamily="34" charset="0"/>
+              </a:rPr>
+              <a:t>Experiment II</a:t>
+            </a:r>
+          </a:p>
+        </p:txBody>
+      </p:sp>
+    </p:spTree>
+    <p:extLst>
+      <p:ext uri="{BB962C8B-B14F-4D97-AF65-F5344CB8AC3E}">
+        <p14:creationId xmlns:p14="http://schemas.microsoft.com/office/powerpoint/2010/main" val="1760486010"/>
+      </p:ext>
+    </p:extLst>
+  </p:cSld>
+  <p:clrMapOvr>
+    <a:masterClrMapping/>
+  </p:clrMapOvr>
+</p:sld>
+</file>
+
+<file path=ppt/slides/slide21.xml><?xml version="1.0" encoding="utf-8"?>
+<p:sld xmlns:a="http://schemas.openxmlformats.org/drawingml/2006/main" xmlns:r="http://schemas.openxmlformats.org/officeDocument/2006/relationships" xmlns:p="http://schemas.openxmlformats.org/presentationml/2006/main">
+  <p:cSld>
+    <p:spTree>
+      <p:nvGrpSpPr>
+        <p:cNvPr id="1" name=""/>
+        <p:cNvGrpSpPr/>
+        <p:nvPr/>
+      </p:nvGrpSpPr>
+      <p:grpSpPr>
+        <a:xfrm>
+          <a:off x="0" y="0"/>
+          <a:ext cx="0" cy="0"/>
+          <a:chOff x="0" y="0"/>
+          <a:chExt cx="0" cy="0"/>
+        </a:xfrm>
+      </p:grpSpPr>
+      <p:sp>
+        <p:nvSpPr>
+          <p:cNvPr id="3" name="TextBox 2">
+            <a:extLst>
+              <a:ext uri="{FF2B5EF4-FFF2-40B4-BE49-F238E27FC236}">
+                <a16:creationId xmlns:a16="http://schemas.microsoft.com/office/drawing/2014/main" id="{F338F700-9A50-4F1D-8971-7A8DFB5AE3AD}"/>
+              </a:ext>
+            </a:extLst>
+          </p:cNvPr>
+          <p:cNvSpPr txBox="1"/>
+          <p:nvPr/>
+        </p:nvSpPr>
+        <p:spPr>
+          <a:xfrm>
+            <a:off x="0" y="-45265"/>
+            <a:ext cx="10164932" cy="646331"/>
+          </a:xfrm>
+          <a:prstGeom prst="rect">
+            <a:avLst/>
+          </a:prstGeom>
+          <a:noFill/>
+        </p:spPr>
+        <p:txBody>
+          <a:bodyPr wrap="square" rtlCol="0">
+            <a:spAutoFit/>
+          </a:bodyPr>
+          <a:lstStyle/>
+          <a:p>
+            <a:r>
+              <a:rPr lang="en-US" sz="3600" dirty="0">
+                <a:solidFill>
+                  <a:srgbClr val="990000"/>
+                </a:solidFill>
+                <a:latin typeface="Arial" panose="020B0604020202020204" pitchFamily="34" charset="0"/>
+                <a:cs typeface="Arial" panose="020B0604020202020204" pitchFamily="34" charset="0"/>
+              </a:rPr>
+              <a:t>Experiment II</a:t>
+            </a:r>
+          </a:p>
+        </p:txBody>
+      </p:sp>
+    </p:spTree>
+    <p:extLst>
+      <p:ext uri="{BB962C8B-B14F-4D97-AF65-F5344CB8AC3E}">
+        <p14:creationId xmlns:p14="http://schemas.microsoft.com/office/powerpoint/2010/main" val="3667015739"/>
+      </p:ext>
+    </p:extLst>
+  </p:cSld>
+  <p:clrMapOvr>
+    <a:masterClrMapping/>
+  </p:clrMapOvr>
+</p:sld>
+</file>
+
+<file path=ppt/slides/slide22.xml><?xml version="1.0" encoding="utf-8"?>
+<p:sld xmlns:a="http://schemas.openxmlformats.org/drawingml/2006/main" xmlns:r="http://schemas.openxmlformats.org/officeDocument/2006/relationships" xmlns:p="http://schemas.openxmlformats.org/presentationml/2006/main">
+  <p:cSld>
+    <p:spTree>
+      <p:nvGrpSpPr>
+        <p:cNvPr id="1" name=""/>
+        <p:cNvGrpSpPr/>
+        <p:nvPr/>
+      </p:nvGrpSpPr>
+      <p:grpSpPr>
+        <a:xfrm>
+          <a:off x="0" y="0"/>
+          <a:ext cx="0" cy="0"/>
+          <a:chOff x="0" y="0"/>
+          <a:chExt cx="0" cy="0"/>
+        </a:xfrm>
+      </p:grpSpPr>
+      <p:sp>
+        <p:nvSpPr>
+          <p:cNvPr id="3" name="TextBox 2">
+            <a:extLst>
+              <a:ext uri="{FF2B5EF4-FFF2-40B4-BE49-F238E27FC236}">
+                <a16:creationId xmlns:a16="http://schemas.microsoft.com/office/drawing/2014/main" id="{F338F700-9A50-4F1D-8971-7A8DFB5AE3AD}"/>
+              </a:ext>
+            </a:extLst>
+          </p:cNvPr>
+          <p:cNvSpPr txBox="1"/>
+          <p:nvPr/>
+        </p:nvSpPr>
+        <p:spPr>
+          <a:xfrm>
+            <a:off x="0" y="-45265"/>
+            <a:ext cx="10164932" cy="646331"/>
+          </a:xfrm>
+          <a:prstGeom prst="rect">
+            <a:avLst/>
+          </a:prstGeom>
+          <a:noFill/>
+        </p:spPr>
+        <p:txBody>
+          <a:bodyPr wrap="square" rtlCol="0">
+            <a:spAutoFit/>
+          </a:bodyPr>
+          <a:lstStyle/>
+          <a:p>
+            <a:r>
+              <a:rPr lang="en-US" sz="3600" dirty="0">
+                <a:solidFill>
+                  <a:srgbClr val="990000"/>
+                </a:solidFill>
+                <a:latin typeface="Arial" panose="020B0604020202020204" pitchFamily="34" charset="0"/>
+                <a:cs typeface="Arial" panose="020B0604020202020204" pitchFamily="34" charset="0"/>
+              </a:rPr>
+              <a:t>Experiment II</a:t>
+            </a:r>
+          </a:p>
+        </p:txBody>
+      </p:sp>
+    </p:spTree>
+    <p:extLst>
+      <p:ext uri="{BB962C8B-B14F-4D97-AF65-F5344CB8AC3E}">
+        <p14:creationId xmlns:p14="http://schemas.microsoft.com/office/powerpoint/2010/main" val="2715331873"/>
+      </p:ext>
+    </p:extLst>
+  </p:cSld>
+  <p:clrMapOvr>
+    <a:masterClrMapping/>
+  </p:clrMapOvr>
+</p:sld>
+</file>
+
+<file path=ppt/slides/slide23.xml><?xml version="1.0" encoding="utf-8"?>
+<p:sld xmlns:a="http://schemas.openxmlformats.org/drawingml/2006/main" xmlns:r="http://schemas.openxmlformats.org/officeDocument/2006/relationships" xmlns:p="http://schemas.openxmlformats.org/presentationml/2006/main">
+  <p:cSld>
+    <p:spTree>
+      <p:nvGrpSpPr>
+        <p:cNvPr id="1" name=""/>
+        <p:cNvGrpSpPr/>
+        <p:nvPr/>
+      </p:nvGrpSpPr>
+      <p:grpSpPr>
+        <a:xfrm>
+          <a:off x="0" y="0"/>
+          <a:ext cx="0" cy="0"/>
+          <a:chOff x="0" y="0"/>
+          <a:chExt cx="0" cy="0"/>
+        </a:xfrm>
+      </p:grpSpPr>
+      <p:sp>
+        <p:nvSpPr>
+          <p:cNvPr id="3" name="TextBox 2">
+            <a:extLst>
+              <a:ext uri="{FF2B5EF4-FFF2-40B4-BE49-F238E27FC236}">
+                <a16:creationId xmlns:a16="http://schemas.microsoft.com/office/drawing/2014/main" id="{F338F700-9A50-4F1D-8971-7A8DFB5AE3AD}"/>
+              </a:ext>
+            </a:extLst>
+          </p:cNvPr>
+          <p:cNvSpPr txBox="1"/>
+          <p:nvPr/>
+        </p:nvSpPr>
+        <p:spPr>
+          <a:xfrm>
+            <a:off x="0" y="-45265"/>
+            <a:ext cx="10164932" cy="646331"/>
+          </a:xfrm>
+          <a:prstGeom prst="rect">
+            <a:avLst/>
+          </a:prstGeom>
+          <a:noFill/>
+        </p:spPr>
+        <p:txBody>
+          <a:bodyPr wrap="square" rtlCol="0">
+            <a:spAutoFit/>
+          </a:bodyPr>
+          <a:lstStyle/>
+          <a:p>
+            <a:r>
+              <a:rPr lang="en-US" sz="3600" dirty="0">
+                <a:solidFill>
+                  <a:srgbClr val="990000"/>
+                </a:solidFill>
+                <a:latin typeface="Arial" panose="020B0604020202020204" pitchFamily="34" charset="0"/>
+                <a:cs typeface="Arial" panose="020B0604020202020204" pitchFamily="34" charset="0"/>
+              </a:rPr>
+              <a:t>What’s Next?</a:t>
+            </a:r>
+          </a:p>
+        </p:txBody>
+      </p:sp>
+      <p:sp>
+        <p:nvSpPr>
+          <p:cNvPr id="4" name="TextBox 3">
+            <a:extLst>
+              <a:ext uri="{FF2B5EF4-FFF2-40B4-BE49-F238E27FC236}">
+                <a16:creationId xmlns:a16="http://schemas.microsoft.com/office/drawing/2014/main" id="{E5618BC0-B3AF-4D2D-A97C-0BA9DB254134}"/>
+              </a:ext>
+            </a:extLst>
+          </p:cNvPr>
+          <p:cNvSpPr txBox="1"/>
+          <p:nvPr/>
+        </p:nvSpPr>
+        <p:spPr>
+          <a:xfrm>
+            <a:off x="546619" y="1054360"/>
+            <a:ext cx="10661312" cy="4247317"/>
+          </a:xfrm>
+          <a:prstGeom prst="rect">
+            <a:avLst/>
+          </a:prstGeom>
+          <a:noFill/>
+        </p:spPr>
+        <p:txBody>
+          <a:bodyPr wrap="square" rtlCol="0">
+            <a:spAutoFit/>
+          </a:bodyPr>
+          <a:lstStyle/>
+          <a:p>
+            <a:pPr marL="800100" lvl="1" indent="-342900">
+              <a:buFont typeface="+mj-lt"/>
+              <a:buAutoNum type="arabicPeriod"/>
+            </a:pPr>
+            <a:r>
+              <a:rPr lang="en-US" b="1" dirty="0"/>
+              <a:t>Detailed implementation and formulation</a:t>
+            </a:r>
+            <a:r>
+              <a:rPr lang="en-US" dirty="0"/>
+              <a:t>:</a:t>
+            </a:r>
+          </a:p>
+          <a:p>
+            <a:pPr marL="1257300" lvl="2" indent="-342900">
+              <a:buFont typeface="Arial" panose="020B0604020202020204" pitchFamily="34" charset="0"/>
+              <a:buChar char="•"/>
+            </a:pPr>
+            <a:r>
+              <a:rPr lang="en-US" dirty="0"/>
+              <a:t>Input feature selection</a:t>
+            </a:r>
+          </a:p>
+          <a:p>
+            <a:pPr marL="1257300" lvl="2" indent="-342900">
+              <a:buFont typeface="Arial" panose="020B0604020202020204" pitchFamily="34" charset="0"/>
+              <a:buChar char="•"/>
+            </a:pPr>
+            <a:r>
+              <a:rPr lang="en-US" dirty="0"/>
+              <a:t>Handling unbalanced dataset</a:t>
+            </a:r>
+          </a:p>
+          <a:p>
+            <a:pPr marL="1257300" lvl="2" indent="-342900">
+              <a:buFont typeface="Arial" panose="020B0604020202020204" pitchFamily="34" charset="0"/>
+              <a:buChar char="•"/>
+            </a:pPr>
+            <a:endParaRPr lang="en-US" dirty="0"/>
+          </a:p>
+          <a:p>
+            <a:pPr marL="800100" lvl="1" indent="-342900">
+              <a:buFont typeface="+mj-lt"/>
+              <a:buAutoNum type="arabicPeriod"/>
+            </a:pPr>
+            <a:r>
+              <a:rPr lang="en-US" b="1" dirty="0"/>
+              <a:t>Field implementation:</a:t>
+            </a:r>
+          </a:p>
+          <a:p>
+            <a:pPr marL="1257300" lvl="2" indent="-342900">
+              <a:buFont typeface="Arial" panose="020B0604020202020204" pitchFamily="34" charset="0"/>
+              <a:buChar char="•"/>
+            </a:pPr>
+            <a:r>
+              <a:rPr lang="en-US" dirty="0"/>
+              <a:t>Missing data</a:t>
+            </a:r>
+          </a:p>
+          <a:p>
+            <a:pPr marL="800100" lvl="1" indent="-342900">
+              <a:buFont typeface="+mj-lt"/>
+              <a:buAutoNum type="arabicPeriod"/>
+            </a:pPr>
+            <a:endParaRPr lang="en-US" dirty="0"/>
+          </a:p>
+          <a:p>
+            <a:pPr marL="800100" lvl="1" indent="-342900">
+              <a:buFont typeface="+mj-lt"/>
+              <a:buAutoNum type="arabicPeriod"/>
+            </a:pPr>
+            <a:r>
+              <a:rPr lang="en-US" b="1" dirty="0"/>
+              <a:t>Extension for Federated Learning:</a:t>
+            </a:r>
+          </a:p>
+          <a:p>
+            <a:pPr marL="1200150" lvl="2" indent="-285750">
+              <a:buFont typeface="Arial" panose="020B0604020202020204" pitchFamily="34" charset="0"/>
+              <a:buChar char="•"/>
+            </a:pPr>
+            <a:r>
+              <a:rPr lang="en-US" dirty="0"/>
+              <a:t>Li et al (2020) Privacy-Preserving Gradient Boosting Decision Trees. AAAI 2020.</a:t>
+            </a:r>
+          </a:p>
+          <a:p>
+            <a:pPr marL="1200150" lvl="2" indent="-285750">
+              <a:buFont typeface="Arial" panose="020B0604020202020204" pitchFamily="34" charset="0"/>
+              <a:buChar char="•"/>
+            </a:pPr>
+            <a:r>
+              <a:rPr lang="en-US" dirty="0"/>
+              <a:t>Li et al (2020) Practical Federated Gradient Boosting Decision Trees. AAAI 2020.</a:t>
+            </a:r>
+          </a:p>
+          <a:p>
+            <a:pPr marL="1200150" lvl="2" indent="-285750">
+              <a:buFont typeface="Arial" panose="020B0604020202020204" pitchFamily="34" charset="0"/>
+              <a:buChar char="•"/>
+            </a:pPr>
+            <a:endParaRPr lang="en-US" dirty="0"/>
+          </a:p>
+          <a:p>
+            <a:pPr marL="800100" lvl="1" indent="-342900">
+              <a:buFont typeface="+mj-lt"/>
+              <a:buAutoNum type="arabicPeriod"/>
+            </a:pPr>
+            <a:r>
+              <a:rPr lang="en-US" b="1" dirty="0"/>
+              <a:t>Extension for Transfer Learning:</a:t>
+            </a:r>
+          </a:p>
+          <a:p>
+            <a:pPr marL="1257300" lvl="2" indent="-342900">
+              <a:buFont typeface="Arial" panose="020B0604020202020204" pitchFamily="34" charset="0"/>
+              <a:buChar char="•"/>
+            </a:pPr>
+            <a:r>
+              <a:rPr lang="en-US" dirty="0"/>
+              <a:t>Pruning irrelevant trees for target adaptation</a:t>
+            </a:r>
+          </a:p>
+          <a:p>
+            <a:pPr lvl="1"/>
+            <a:endParaRPr lang="en-US" dirty="0"/>
+          </a:p>
+          <a:p>
+            <a:pPr marL="742950" lvl="1" indent="-285750">
+              <a:buFont typeface="Arial" panose="020B0604020202020204" pitchFamily="34" charset="0"/>
+              <a:buChar char="•"/>
+            </a:pPr>
+            <a:endParaRPr lang="en-US" dirty="0"/>
+          </a:p>
+        </p:txBody>
+      </p:sp>
+    </p:spTree>
+    <p:extLst>
+      <p:ext uri="{BB962C8B-B14F-4D97-AF65-F5344CB8AC3E}">
+        <p14:creationId xmlns:p14="http://schemas.microsoft.com/office/powerpoint/2010/main" val="377421085"/>
+      </p:ext>
+    </p:extLst>
+  </p:cSld>
+  <p:clrMapOvr>
+    <a:masterClrMapping/>
+  </p:clrMapOvr>
+</p:sld>
+</file>
+
+<file path=ppt/slides/slide24.xml><?xml version="1.0" encoding="utf-8"?>
+<p:sld xmlns:a="http://schemas.openxmlformats.org/drawingml/2006/main" xmlns:r="http://schemas.openxmlformats.org/officeDocument/2006/relationships" xmlns:p="http://schemas.openxmlformats.org/presentationml/2006/main">
+  <p:cSld>
+    <p:spTree>
+      <p:nvGrpSpPr>
+        <p:cNvPr id="1" name=""/>
+        <p:cNvGrpSpPr/>
+        <p:nvPr/>
+      </p:nvGrpSpPr>
+      <p:grpSpPr>
+        <a:xfrm>
+          <a:off x="0" y="0"/>
+          <a:ext cx="0" cy="0"/>
+          <a:chOff x="0" y="0"/>
+          <a:chExt cx="0" cy="0"/>
+        </a:xfrm>
+      </p:grpSpPr>
+      <p:sp>
+        <p:nvSpPr>
+          <p:cNvPr id="2" name="TextBox 1">
+            <a:extLst>
+              <a:ext uri="{FF2B5EF4-FFF2-40B4-BE49-F238E27FC236}">
+                <a16:creationId xmlns:a16="http://schemas.microsoft.com/office/drawing/2014/main" id="{6FC5732C-D51E-4E7E-9F60-5E117B8D73FD}"/>
+              </a:ext>
+            </a:extLst>
+          </p:cNvPr>
+          <p:cNvSpPr txBox="1"/>
+          <p:nvPr/>
+        </p:nvSpPr>
+        <p:spPr>
+          <a:xfrm>
+            <a:off x="-10612" y="2594762"/>
+            <a:ext cx="12187809" cy="1085810"/>
+          </a:xfrm>
+          <a:prstGeom prst="rect">
+            <a:avLst/>
+          </a:prstGeom>
+          <a:noFill/>
+        </p:spPr>
+        <p:txBody>
+          <a:bodyPr wrap="square" rtlCol="0">
+            <a:spAutoFit/>
+          </a:bodyPr>
+          <a:lstStyle/>
+          <a:p>
+            <a:pPr algn="ctr">
+              <a:lnSpc>
+                <a:spcPct val="150000"/>
+              </a:lnSpc>
+            </a:pPr>
+            <a:r>
+              <a:rPr lang="en-US" sz="4800" dirty="0">
+                <a:solidFill>
+                  <a:srgbClr val="990000"/>
+                </a:solidFill>
+                <a:cs typeface="Arial" panose="020B0604020202020204" pitchFamily="34" charset="0"/>
+              </a:rPr>
+              <a:t>Thanks!</a:t>
+            </a:r>
+          </a:p>
+        </p:txBody>
+      </p:sp>
+    </p:spTree>
+    <p:extLst>
+      <p:ext uri="{BB962C8B-B14F-4D97-AF65-F5344CB8AC3E}">
+        <p14:creationId xmlns:p14="http://schemas.microsoft.com/office/powerpoint/2010/main" val="3947830770"/>
       </p:ext>
     </p:extLst>
   </p:cSld>
@@ -11068,18 +14524,13 @@
           <a:p>
             <a:pPr lvl="1"/>
             <a:r>
-              <a:rPr lang="en-US" sz="1600" b="1" u="sng" dirty="0" err="1">
+              <a:rPr lang="en-US" sz="1600" b="1" u="sng" dirty="0">
                 <a:solidFill>
                   <a:srgbClr val="071BDB"/>
                 </a:solidFill>
               </a:rPr>
               <a:t>XGBoost</a:t>
             </a:r>
-            <a:endParaRPr lang="en-US" sz="1600" b="1" u="sng" dirty="0">
-              <a:solidFill>
-                <a:srgbClr val="071BDB"/>
-              </a:solidFill>
-            </a:endParaRPr>
           </a:p>
           <a:p>
             <a:pPr lvl="1"/>
@@ -11249,15 +14700,7 @@
             </a:pPr>
             <a:r>
               <a:rPr lang="en-US" sz="1200" dirty="0"/>
-              <a:t>Wang et al (2021) A Novel Reservoir Modeling Method based on Improved Hierarchical </a:t>
-            </a:r>
-            <a:r>
-              <a:rPr lang="en-US" sz="1200" dirty="0" err="1"/>
-              <a:t>XGBoost</a:t>
-            </a:r>
-            <a:r>
-              <a:rPr lang="en-US" sz="1200" dirty="0"/>
-              <a:t>. 2021 IEEE 5th Advanced Information Technology, Electronic and Automation Control Conference</a:t>
+              <a:t>Wang et al (2021) A Novel Reservoir Modeling Method based on Improved Hierarchical XGBoost. 2021 IEEE 5th Advanced Information Technology, Electronic and Automation Control Conference</a:t>
             </a:r>
           </a:p>
           <a:p>
@@ -11479,12 +14922,8 @@
               <a:buChar char="Ø"/>
             </a:pPr>
             <a:r>
-              <a:rPr lang="en-US" sz="1600" dirty="0" err="1"/>
-              <a:t>XGBoost</a:t>
-            </a:r>
-            <a:r>
               <a:rPr lang="en-US" sz="1600" dirty="0"/>
-              <a:t>, </a:t>
+              <a:t>XGBoost, </a:t>
             </a:r>
             <a:r>
               <a:rPr lang="en-US" sz="1600" dirty="0" err="1"/>
@@ -11936,15 +15375,7 @@
             <a:pPr lvl="1"/>
             <a:r>
               <a:rPr lang="en-US" sz="1600" b="1" dirty="0"/>
-              <a:t>Wang et al (2021) A Novel Reservoir Modeling Method based on Improved Hierarchical </a:t>
-            </a:r>
-            <a:r>
-              <a:rPr lang="en-US" sz="1600" b="1" dirty="0" err="1"/>
-              <a:t>XGBoost</a:t>
-            </a:r>
-            <a:r>
-              <a:rPr lang="en-US" sz="1600" b="1" dirty="0"/>
-              <a:t>. 2021 IEEE</a:t>
+              <a:t>Wang et al (2021) A Novel Reservoir Modeling Method based on Improved Hierarchical XGBoost. 2021 IEEE</a:t>
             </a:r>
           </a:p>
           <a:p>
@@ -11954,23 +15385,7 @@
             </a:pPr>
             <a:r>
               <a:rPr lang="en-US" sz="1600" dirty="0"/>
-              <a:t>Hierarchical </a:t>
-            </a:r>
-            <a:r>
-              <a:rPr lang="en-US" sz="1600" dirty="0" err="1"/>
-              <a:t>XGBoost</a:t>
-            </a:r>
-            <a:r>
-              <a:rPr lang="en-US" sz="1600" dirty="0"/>
-              <a:t> (h-</a:t>
-            </a:r>
-            <a:r>
-              <a:rPr lang="en-US" sz="1600" dirty="0" err="1"/>
-              <a:t>XGBoost</a:t>
-            </a:r>
-            <a:r>
-              <a:rPr lang="en-US" sz="1600" dirty="0"/>
-              <a:t>) extract key features from different reservoirs</a:t>
+              <a:t>Hierarchical XGBoost (h-XGBoost) extract key features from different reservoirs</a:t>
             </a:r>
           </a:p>
           <a:p>
@@ -12002,29 +15417,8 @@
             </a:pPr>
             <a:r>
               <a:rPr lang="en-US" sz="1600" dirty="0"/>
-              <a:t>Hierarchical </a:t>
-            </a:r>
-            <a:r>
-              <a:rPr lang="en-US" sz="1600" dirty="0" err="1"/>
-              <a:t>XGBoost</a:t>
-            </a:r>
-            <a:r>
-              <a:rPr lang="en-US" sz="1600" dirty="0"/>
-              <a:t> (h-</a:t>
-            </a:r>
-            <a:r>
-              <a:rPr lang="en-US" sz="1600" dirty="0" err="1"/>
-              <a:t>XGBoost</a:t>
-            </a:r>
-            <a:r>
-              <a:rPr lang="en-US" sz="1600" dirty="0"/>
-              <a:t>) does a better job than direct </a:t>
-            </a:r>
-            <a:r>
-              <a:rPr lang="en-US" sz="1600" dirty="0" err="1"/>
-              <a:t>XGBoost</a:t>
-            </a:r>
-            <a:endParaRPr lang="en-US" sz="1600" dirty="0"/>
+              <a:t>Hierarchical XGBoost (h-XGBoost) does a better job than direct XGBoost</a:t>
+            </a:r>
           </a:p>
           <a:p>
             <a:pPr lvl="1"/>
